--- a/keras/Keras.pptx
+++ b/keras/Keras.pptx
@@ -5,12 +5,17 @@
     <p:sldMasterId id="2147483648" r:id="rId1"/>
   </p:sldMasterIdLst>
   <p:notesMasterIdLst>
-    <p:notesMasterId r:id="rId5"/>
+    <p:notesMasterId r:id="rId10"/>
   </p:notesMasterIdLst>
   <p:sldIdLst>
     <p:sldId id="256" r:id="rId2"/>
     <p:sldId id="257" r:id="rId3"/>
-    <p:sldId id="258" r:id="rId4"/>
+    <p:sldId id="259" r:id="rId4"/>
+    <p:sldId id="260" r:id="rId5"/>
+    <p:sldId id="261" r:id="rId6"/>
+    <p:sldId id="262" r:id="rId7"/>
+    <p:sldId id="263" r:id="rId8"/>
+    <p:sldId id="258" r:id="rId9"/>
   </p:sldIdLst>
   <p:sldSz cx="12192000" cy="6858000"/>
   <p:notesSz cx="6858000" cy="9144000"/>
@@ -203,7 +208,7 @@
           <a:p>
             <a:fld id="{9F97281E-09FB-4228-9B08-8883913788F2}" type="datetimeFigureOut">
               <a:rPr lang="en-US" smtClean="0"/>
-              <a:t>11/5/2017</a:t>
+              <a:t>11/7/2017</a:t>
             </a:fld>
             <a:endParaRPr lang="en-US"/>
           </a:p>
@@ -712,6 +717,426 @@
     </p:spTree>
     <p:extLst>
       <p:ext uri="{BB962C8B-B14F-4D97-AF65-F5344CB8AC3E}">
+        <p14:creationId xmlns:p14="http://schemas.microsoft.com/office/powerpoint/2010/main" val="3125375625"/>
+      </p:ext>
+    </p:extLst>
+  </p:cSld>
+  <p:clrMapOvr>
+    <a:masterClrMapping/>
+  </p:clrMapOvr>
+</p:notes>
+</file>
+
+<file path=ppt/notesSlides/notesSlide4.xml><?xml version="1.0" encoding="utf-8"?>
+<p:notes xmlns:a="http://schemas.openxmlformats.org/drawingml/2006/main" xmlns:r="http://schemas.openxmlformats.org/officeDocument/2006/relationships" xmlns:p="http://schemas.openxmlformats.org/presentationml/2006/main">
+  <p:cSld>
+    <p:spTree>
+      <p:nvGrpSpPr>
+        <p:cNvPr id="1" name=""/>
+        <p:cNvGrpSpPr/>
+        <p:nvPr/>
+      </p:nvGrpSpPr>
+      <p:grpSpPr>
+        <a:xfrm>
+          <a:off x="0" y="0"/>
+          <a:ext cx="0" cy="0"/>
+          <a:chOff x="0" y="0"/>
+          <a:chExt cx="0" cy="0"/>
+        </a:xfrm>
+      </p:grpSpPr>
+      <p:sp>
+        <p:nvSpPr>
+          <p:cNvPr id="2" name="Slide Image Placeholder 1"/>
+          <p:cNvSpPr>
+            <a:spLocks noGrp="1" noRot="1" noChangeAspect="1"/>
+          </p:cNvSpPr>
+          <p:nvPr>
+            <p:ph type="sldImg"/>
+          </p:nvPr>
+        </p:nvSpPr>
+        <p:spPr/>
+      </p:sp>
+      <p:sp>
+        <p:nvSpPr>
+          <p:cNvPr id="3" name="Notes Placeholder 2"/>
+          <p:cNvSpPr>
+            <a:spLocks noGrp="1"/>
+          </p:cNvSpPr>
+          <p:nvPr>
+            <p:ph type="body" idx="1"/>
+          </p:nvPr>
+        </p:nvSpPr>
+        <p:spPr/>
+        <p:txBody>
+          <a:bodyPr/>
+          <a:lstStyle/>
+          <a:p>
+            <a:endParaRPr lang="en-US"/>
+          </a:p>
+        </p:txBody>
+      </p:sp>
+      <p:sp>
+        <p:nvSpPr>
+          <p:cNvPr id="4" name="Slide Number Placeholder 3"/>
+          <p:cNvSpPr>
+            <a:spLocks noGrp="1"/>
+          </p:cNvSpPr>
+          <p:nvPr>
+            <p:ph type="sldNum" sz="quarter" idx="10"/>
+          </p:nvPr>
+        </p:nvSpPr>
+        <p:spPr/>
+        <p:txBody>
+          <a:bodyPr/>
+          <a:lstStyle/>
+          <a:p>
+            <a:fld id="{B0E119AC-5EDF-491F-9B88-919CF697546A}" type="slidenum">
+              <a:rPr lang="en-US" smtClean="0"/>
+              <a:t>4</a:t>
+            </a:fld>
+            <a:endParaRPr lang="en-US"/>
+          </a:p>
+        </p:txBody>
+      </p:sp>
+    </p:spTree>
+    <p:extLst>
+      <p:ext uri="{BB962C8B-B14F-4D97-AF65-F5344CB8AC3E}">
+        <p14:creationId xmlns:p14="http://schemas.microsoft.com/office/powerpoint/2010/main" val="2230076289"/>
+      </p:ext>
+    </p:extLst>
+  </p:cSld>
+  <p:clrMapOvr>
+    <a:masterClrMapping/>
+  </p:clrMapOvr>
+</p:notes>
+</file>
+
+<file path=ppt/notesSlides/notesSlide5.xml><?xml version="1.0" encoding="utf-8"?>
+<p:notes xmlns:a="http://schemas.openxmlformats.org/drawingml/2006/main" xmlns:r="http://schemas.openxmlformats.org/officeDocument/2006/relationships" xmlns:p="http://schemas.openxmlformats.org/presentationml/2006/main">
+  <p:cSld>
+    <p:spTree>
+      <p:nvGrpSpPr>
+        <p:cNvPr id="1" name=""/>
+        <p:cNvGrpSpPr/>
+        <p:nvPr/>
+      </p:nvGrpSpPr>
+      <p:grpSpPr>
+        <a:xfrm>
+          <a:off x="0" y="0"/>
+          <a:ext cx="0" cy="0"/>
+          <a:chOff x="0" y="0"/>
+          <a:chExt cx="0" cy="0"/>
+        </a:xfrm>
+      </p:grpSpPr>
+      <p:sp>
+        <p:nvSpPr>
+          <p:cNvPr id="2" name="Slide Image Placeholder 1"/>
+          <p:cNvSpPr>
+            <a:spLocks noGrp="1" noRot="1" noChangeAspect="1"/>
+          </p:cNvSpPr>
+          <p:nvPr>
+            <p:ph type="sldImg"/>
+          </p:nvPr>
+        </p:nvSpPr>
+        <p:spPr/>
+      </p:sp>
+      <p:sp>
+        <p:nvSpPr>
+          <p:cNvPr id="3" name="Notes Placeholder 2"/>
+          <p:cNvSpPr>
+            <a:spLocks noGrp="1"/>
+          </p:cNvSpPr>
+          <p:nvPr>
+            <p:ph type="body" idx="1"/>
+          </p:nvPr>
+        </p:nvSpPr>
+        <p:spPr/>
+        <p:txBody>
+          <a:bodyPr/>
+          <a:lstStyle/>
+          <a:p>
+            <a:endParaRPr lang="en-US"/>
+          </a:p>
+        </p:txBody>
+      </p:sp>
+      <p:sp>
+        <p:nvSpPr>
+          <p:cNvPr id="4" name="Slide Number Placeholder 3"/>
+          <p:cNvSpPr>
+            <a:spLocks noGrp="1"/>
+          </p:cNvSpPr>
+          <p:nvPr>
+            <p:ph type="sldNum" sz="quarter" idx="10"/>
+          </p:nvPr>
+        </p:nvSpPr>
+        <p:spPr/>
+        <p:txBody>
+          <a:bodyPr/>
+          <a:lstStyle/>
+          <a:p>
+            <a:fld id="{B0E119AC-5EDF-491F-9B88-919CF697546A}" type="slidenum">
+              <a:rPr lang="en-US" smtClean="0"/>
+              <a:t>5</a:t>
+            </a:fld>
+            <a:endParaRPr lang="en-US"/>
+          </a:p>
+        </p:txBody>
+      </p:sp>
+    </p:spTree>
+    <p:extLst>
+      <p:ext uri="{BB962C8B-B14F-4D97-AF65-F5344CB8AC3E}">
+        <p14:creationId xmlns:p14="http://schemas.microsoft.com/office/powerpoint/2010/main" val="741143246"/>
+      </p:ext>
+    </p:extLst>
+  </p:cSld>
+  <p:clrMapOvr>
+    <a:masterClrMapping/>
+  </p:clrMapOvr>
+</p:notes>
+</file>
+
+<file path=ppt/notesSlides/notesSlide6.xml><?xml version="1.0" encoding="utf-8"?>
+<p:notes xmlns:a="http://schemas.openxmlformats.org/drawingml/2006/main" xmlns:r="http://schemas.openxmlformats.org/officeDocument/2006/relationships" xmlns:p="http://schemas.openxmlformats.org/presentationml/2006/main">
+  <p:cSld>
+    <p:spTree>
+      <p:nvGrpSpPr>
+        <p:cNvPr id="1" name=""/>
+        <p:cNvGrpSpPr/>
+        <p:nvPr/>
+      </p:nvGrpSpPr>
+      <p:grpSpPr>
+        <a:xfrm>
+          <a:off x="0" y="0"/>
+          <a:ext cx="0" cy="0"/>
+          <a:chOff x="0" y="0"/>
+          <a:chExt cx="0" cy="0"/>
+        </a:xfrm>
+      </p:grpSpPr>
+      <p:sp>
+        <p:nvSpPr>
+          <p:cNvPr id="2" name="Slide Image Placeholder 1"/>
+          <p:cNvSpPr>
+            <a:spLocks noGrp="1" noRot="1" noChangeAspect="1"/>
+          </p:cNvSpPr>
+          <p:nvPr>
+            <p:ph type="sldImg"/>
+          </p:nvPr>
+        </p:nvSpPr>
+        <p:spPr/>
+      </p:sp>
+      <p:sp>
+        <p:nvSpPr>
+          <p:cNvPr id="3" name="Notes Placeholder 2"/>
+          <p:cNvSpPr>
+            <a:spLocks noGrp="1"/>
+          </p:cNvSpPr>
+          <p:nvPr>
+            <p:ph type="body" idx="1"/>
+          </p:nvPr>
+        </p:nvSpPr>
+        <p:spPr/>
+        <p:txBody>
+          <a:bodyPr/>
+          <a:lstStyle/>
+          <a:p>
+            <a:endParaRPr lang="en-US"/>
+          </a:p>
+        </p:txBody>
+      </p:sp>
+      <p:sp>
+        <p:nvSpPr>
+          <p:cNvPr id="4" name="Slide Number Placeholder 3"/>
+          <p:cNvSpPr>
+            <a:spLocks noGrp="1"/>
+          </p:cNvSpPr>
+          <p:nvPr>
+            <p:ph type="sldNum" sz="quarter" idx="10"/>
+          </p:nvPr>
+        </p:nvSpPr>
+        <p:spPr/>
+        <p:txBody>
+          <a:bodyPr/>
+          <a:lstStyle/>
+          <a:p>
+            <a:fld id="{B0E119AC-5EDF-491F-9B88-919CF697546A}" type="slidenum">
+              <a:rPr lang="en-US" smtClean="0"/>
+              <a:t>6</a:t>
+            </a:fld>
+            <a:endParaRPr lang="en-US"/>
+          </a:p>
+        </p:txBody>
+      </p:sp>
+    </p:spTree>
+    <p:extLst>
+      <p:ext uri="{BB962C8B-B14F-4D97-AF65-F5344CB8AC3E}">
+        <p14:creationId xmlns:p14="http://schemas.microsoft.com/office/powerpoint/2010/main" val="2522296245"/>
+      </p:ext>
+    </p:extLst>
+  </p:cSld>
+  <p:clrMapOvr>
+    <a:masterClrMapping/>
+  </p:clrMapOvr>
+</p:notes>
+</file>
+
+<file path=ppt/notesSlides/notesSlide7.xml><?xml version="1.0" encoding="utf-8"?>
+<p:notes xmlns:a="http://schemas.openxmlformats.org/drawingml/2006/main" xmlns:r="http://schemas.openxmlformats.org/officeDocument/2006/relationships" xmlns:p="http://schemas.openxmlformats.org/presentationml/2006/main">
+  <p:cSld>
+    <p:spTree>
+      <p:nvGrpSpPr>
+        <p:cNvPr id="1" name=""/>
+        <p:cNvGrpSpPr/>
+        <p:nvPr/>
+      </p:nvGrpSpPr>
+      <p:grpSpPr>
+        <a:xfrm>
+          <a:off x="0" y="0"/>
+          <a:ext cx="0" cy="0"/>
+          <a:chOff x="0" y="0"/>
+          <a:chExt cx="0" cy="0"/>
+        </a:xfrm>
+      </p:grpSpPr>
+      <p:sp>
+        <p:nvSpPr>
+          <p:cNvPr id="2" name="Slide Image Placeholder 1"/>
+          <p:cNvSpPr>
+            <a:spLocks noGrp="1" noRot="1" noChangeAspect="1"/>
+          </p:cNvSpPr>
+          <p:nvPr>
+            <p:ph type="sldImg"/>
+          </p:nvPr>
+        </p:nvSpPr>
+        <p:spPr/>
+      </p:sp>
+      <p:sp>
+        <p:nvSpPr>
+          <p:cNvPr id="3" name="Notes Placeholder 2"/>
+          <p:cNvSpPr>
+            <a:spLocks noGrp="1"/>
+          </p:cNvSpPr>
+          <p:nvPr>
+            <p:ph type="body" idx="1"/>
+          </p:nvPr>
+        </p:nvSpPr>
+        <p:spPr/>
+        <p:txBody>
+          <a:bodyPr/>
+          <a:lstStyle/>
+          <a:p>
+            <a:endParaRPr lang="en-US"/>
+          </a:p>
+        </p:txBody>
+      </p:sp>
+      <p:sp>
+        <p:nvSpPr>
+          <p:cNvPr id="4" name="Slide Number Placeholder 3"/>
+          <p:cNvSpPr>
+            <a:spLocks noGrp="1"/>
+          </p:cNvSpPr>
+          <p:nvPr>
+            <p:ph type="sldNum" sz="quarter" idx="10"/>
+          </p:nvPr>
+        </p:nvSpPr>
+        <p:spPr/>
+        <p:txBody>
+          <a:bodyPr/>
+          <a:lstStyle/>
+          <a:p>
+            <a:fld id="{B0E119AC-5EDF-491F-9B88-919CF697546A}" type="slidenum">
+              <a:rPr lang="en-US" smtClean="0"/>
+              <a:t>7</a:t>
+            </a:fld>
+            <a:endParaRPr lang="en-US"/>
+          </a:p>
+        </p:txBody>
+      </p:sp>
+    </p:spTree>
+    <p:extLst>
+      <p:ext uri="{BB962C8B-B14F-4D97-AF65-F5344CB8AC3E}">
+        <p14:creationId xmlns:p14="http://schemas.microsoft.com/office/powerpoint/2010/main" val="3255472122"/>
+      </p:ext>
+    </p:extLst>
+  </p:cSld>
+  <p:clrMapOvr>
+    <a:masterClrMapping/>
+  </p:clrMapOvr>
+</p:notes>
+</file>
+
+<file path=ppt/notesSlides/notesSlide8.xml><?xml version="1.0" encoding="utf-8"?>
+<p:notes xmlns:a="http://schemas.openxmlformats.org/drawingml/2006/main" xmlns:r="http://schemas.openxmlformats.org/officeDocument/2006/relationships" xmlns:p="http://schemas.openxmlformats.org/presentationml/2006/main">
+  <p:cSld>
+    <p:spTree>
+      <p:nvGrpSpPr>
+        <p:cNvPr id="1" name=""/>
+        <p:cNvGrpSpPr/>
+        <p:nvPr/>
+      </p:nvGrpSpPr>
+      <p:grpSpPr>
+        <a:xfrm>
+          <a:off x="0" y="0"/>
+          <a:ext cx="0" cy="0"/>
+          <a:chOff x="0" y="0"/>
+          <a:chExt cx="0" cy="0"/>
+        </a:xfrm>
+      </p:grpSpPr>
+      <p:sp>
+        <p:nvSpPr>
+          <p:cNvPr id="2" name="Slide Image Placeholder 1"/>
+          <p:cNvSpPr>
+            <a:spLocks noGrp="1" noRot="1" noChangeAspect="1"/>
+          </p:cNvSpPr>
+          <p:nvPr>
+            <p:ph type="sldImg"/>
+          </p:nvPr>
+        </p:nvSpPr>
+        <p:spPr/>
+      </p:sp>
+      <p:sp>
+        <p:nvSpPr>
+          <p:cNvPr id="3" name="Notes Placeholder 2"/>
+          <p:cNvSpPr>
+            <a:spLocks noGrp="1"/>
+          </p:cNvSpPr>
+          <p:nvPr>
+            <p:ph type="body" idx="1"/>
+          </p:nvPr>
+        </p:nvSpPr>
+        <p:spPr/>
+        <p:txBody>
+          <a:bodyPr/>
+          <a:lstStyle/>
+          <a:p>
+            <a:endParaRPr lang="en-US"/>
+          </a:p>
+        </p:txBody>
+      </p:sp>
+      <p:sp>
+        <p:nvSpPr>
+          <p:cNvPr id="4" name="Slide Number Placeholder 3"/>
+          <p:cNvSpPr>
+            <a:spLocks noGrp="1"/>
+          </p:cNvSpPr>
+          <p:nvPr>
+            <p:ph type="sldNum" sz="quarter" idx="10"/>
+          </p:nvPr>
+        </p:nvSpPr>
+        <p:spPr/>
+        <p:txBody>
+          <a:bodyPr/>
+          <a:lstStyle/>
+          <a:p>
+            <a:fld id="{B0E119AC-5EDF-491F-9B88-919CF697546A}" type="slidenum">
+              <a:rPr lang="en-US" smtClean="0"/>
+              <a:t>8</a:t>
+            </a:fld>
+            <a:endParaRPr lang="en-US"/>
+          </a:p>
+        </p:txBody>
+      </p:sp>
+    </p:spTree>
+    <p:extLst>
+      <p:ext uri="{BB962C8B-B14F-4D97-AF65-F5344CB8AC3E}">
         <p14:creationId xmlns:p14="http://schemas.microsoft.com/office/powerpoint/2010/main" val="455831075"/>
       </p:ext>
     </p:extLst>
@@ -851,7 +1276,7 @@
           <a:p>
             <a:fld id="{6B70359B-F0EC-45CC-912A-5046475CEFCF}" type="datetimeFigureOut">
               <a:rPr lang="en-US" smtClean="0"/>
-              <a:t>11/5/2017</a:t>
+              <a:t>11/7/2017</a:t>
             </a:fld>
             <a:endParaRPr lang="en-US"/>
           </a:p>
@@ -1019,7 +1444,7 @@
           <a:p>
             <a:fld id="{6B70359B-F0EC-45CC-912A-5046475CEFCF}" type="datetimeFigureOut">
               <a:rPr lang="en-US" smtClean="0"/>
-              <a:t>11/5/2017</a:t>
+              <a:t>11/7/2017</a:t>
             </a:fld>
             <a:endParaRPr lang="en-US"/>
           </a:p>
@@ -1197,7 +1622,7 @@
           <a:p>
             <a:fld id="{6B70359B-F0EC-45CC-912A-5046475CEFCF}" type="datetimeFigureOut">
               <a:rPr lang="en-US" smtClean="0"/>
-              <a:t>11/5/2017</a:t>
+              <a:t>11/7/2017</a:t>
             </a:fld>
             <a:endParaRPr lang="en-US"/>
           </a:p>
@@ -1365,7 +1790,7 @@
           <a:p>
             <a:fld id="{6B70359B-F0EC-45CC-912A-5046475CEFCF}" type="datetimeFigureOut">
               <a:rPr lang="en-US" smtClean="0"/>
-              <a:t>11/5/2017</a:t>
+              <a:t>11/7/2017</a:t>
             </a:fld>
             <a:endParaRPr lang="en-US"/>
           </a:p>
@@ -1610,7 +2035,7 @@
           <a:p>
             <a:fld id="{6B70359B-F0EC-45CC-912A-5046475CEFCF}" type="datetimeFigureOut">
               <a:rPr lang="en-US" smtClean="0"/>
-              <a:t>11/5/2017</a:t>
+              <a:t>11/7/2017</a:t>
             </a:fld>
             <a:endParaRPr lang="en-US"/>
           </a:p>
@@ -1839,7 +2264,7 @@
           <a:p>
             <a:fld id="{6B70359B-F0EC-45CC-912A-5046475CEFCF}" type="datetimeFigureOut">
               <a:rPr lang="en-US" smtClean="0"/>
-              <a:t>11/5/2017</a:t>
+              <a:t>11/7/2017</a:t>
             </a:fld>
             <a:endParaRPr lang="en-US"/>
           </a:p>
@@ -2203,7 +2628,7 @@
           <a:p>
             <a:fld id="{6B70359B-F0EC-45CC-912A-5046475CEFCF}" type="datetimeFigureOut">
               <a:rPr lang="en-US" smtClean="0"/>
-              <a:t>11/5/2017</a:t>
+              <a:t>11/7/2017</a:t>
             </a:fld>
             <a:endParaRPr lang="en-US"/>
           </a:p>
@@ -2320,7 +2745,7 @@
           <a:p>
             <a:fld id="{6B70359B-F0EC-45CC-912A-5046475CEFCF}" type="datetimeFigureOut">
               <a:rPr lang="en-US" smtClean="0"/>
-              <a:t>11/5/2017</a:t>
+              <a:t>11/7/2017</a:t>
             </a:fld>
             <a:endParaRPr lang="en-US"/>
           </a:p>
@@ -2415,7 +2840,7 @@
           <a:p>
             <a:fld id="{6B70359B-F0EC-45CC-912A-5046475CEFCF}" type="datetimeFigureOut">
               <a:rPr lang="en-US" smtClean="0"/>
-              <a:t>11/5/2017</a:t>
+              <a:t>11/7/2017</a:t>
             </a:fld>
             <a:endParaRPr lang="en-US"/>
           </a:p>
@@ -2690,7 +3115,7 @@
           <a:p>
             <a:fld id="{6B70359B-F0EC-45CC-912A-5046475CEFCF}" type="datetimeFigureOut">
               <a:rPr lang="en-US" smtClean="0"/>
-              <a:t>11/5/2017</a:t>
+              <a:t>11/7/2017</a:t>
             </a:fld>
             <a:endParaRPr lang="en-US"/>
           </a:p>
@@ -2942,7 +3367,7 @@
           <a:p>
             <a:fld id="{6B70359B-F0EC-45CC-912A-5046475CEFCF}" type="datetimeFigureOut">
               <a:rPr lang="en-US" smtClean="0"/>
-              <a:t>11/5/2017</a:t>
+              <a:t>11/7/2017</a:t>
             </a:fld>
             <a:endParaRPr lang="en-US"/>
           </a:p>
@@ -3153,7 +3578,7 @@
           <a:p>
             <a:fld id="{6B70359B-F0EC-45CC-912A-5046475CEFCF}" type="datetimeFigureOut">
               <a:rPr lang="en-US" smtClean="0"/>
-              <a:t>11/5/2017</a:t>
+              <a:t>11/7/2017</a:t>
             </a:fld>
             <a:endParaRPr lang="en-US"/>
           </a:p>
@@ -3573,14 +3998,7 @@
           <a:bodyPr/>
           <a:lstStyle/>
           <a:p>
-            <a:r>
-              <a:rPr lang="en-US" dirty="0" err="1"/>
-              <a:t>Keras</a:t>
-            </a:r>
-            <a:r>
-              <a:rPr lang="en-US" dirty="0"/>
-              <a:t> </a:t>
-            </a:r>
+            <a:endParaRPr lang="en-US" dirty="0"/>
           </a:p>
         </p:txBody>
       </p:sp>
@@ -3615,6 +4033,30 @@
           </a:p>
         </p:txBody>
       </p:sp>
+      <p:pic>
+        <p:nvPicPr>
+          <p:cNvPr id="4" name="Picture 3"/>
+          <p:cNvPicPr>
+            <a:picLocks noChangeAspect="1"/>
+          </p:cNvPicPr>
+          <p:nvPr/>
+        </p:nvPicPr>
+        <p:blipFill>
+          <a:blip r:embed="rId3"/>
+          <a:stretch>
+            <a:fillRect/>
+          </a:stretch>
+        </p:blipFill>
+        <p:spPr>
+          <a:xfrm>
+            <a:off x="3474427" y="1719874"/>
+            <a:ext cx="5524500" cy="1714500"/>
+          </a:xfrm>
+          <a:prstGeom prst="rect">
+            <a:avLst/>
+          </a:prstGeom>
+        </p:spPr>
+      </p:pic>
     </p:spTree>
     <p:extLst>
       <p:ext uri="{BB962C8B-B14F-4D97-AF65-F5344CB8AC3E}">
@@ -3625,6 +4067,13 @@
   <p:clrMapOvr>
     <a:masterClrMapping/>
   </p:clrMapOvr>
+  <p:timing>
+    <p:tnLst>
+      <p:par>
+        <p:cTn id="1" dur="indefinite" restart="never" nodeType="tmRoot"/>
+      </p:par>
+    </p:tnLst>
+  </p:timing>
 </p:sld>
 </file>
 
@@ -3780,13 +4229,14 @@
             </a:r>
           </a:p>
           <a:p>
-            <a:endParaRPr lang="zh-CN" altLang="en-US" dirty="0"/>
-          </a:p>
-          <a:p>
             <a:pPr lvl="1"/>
             <a:r>
+              <a:rPr lang="zh-CN" altLang="en-US" dirty="0" smtClean="0"/>
+              <a:t>简</a:t>
+            </a:r>
+            <a:r>
               <a:rPr lang="zh-CN" altLang="en-US" dirty="0"/>
-              <a:t>简易和快速的原型设计（</a:t>
+              <a:t>易和快速的原型设计（</a:t>
             </a:r>
             <a:r>
               <a:rPr lang="en-US" altLang="zh-CN" dirty="0" err="1"/>
@@ -3846,6 +4296,30 @@
           </a:p>
         </p:txBody>
       </p:sp>
+      <p:pic>
+        <p:nvPicPr>
+          <p:cNvPr id="5" name="Picture 4"/>
+          <p:cNvPicPr>
+            <a:picLocks noChangeAspect="1"/>
+          </p:cNvPicPr>
+          <p:nvPr/>
+        </p:nvPicPr>
+        <p:blipFill>
+          <a:blip r:embed="rId3"/>
+          <a:stretch>
+            <a:fillRect/>
+          </a:stretch>
+        </p:blipFill>
+        <p:spPr>
+          <a:xfrm>
+            <a:off x="1681296" y="5038144"/>
+            <a:ext cx="2161032" cy="1467720"/>
+          </a:xfrm>
+          <a:prstGeom prst="rect">
+            <a:avLst/>
+          </a:prstGeom>
+        </p:spPr>
+      </p:pic>
     </p:spTree>
     <p:extLst>
       <p:ext uri="{BB962C8B-B14F-4D97-AF65-F5344CB8AC3E}">
@@ -3856,6 +4330,13 @@
   <p:clrMapOvr>
     <a:masterClrMapping/>
   </p:clrMapOvr>
+  <p:timing>
+    <p:tnLst>
+      <p:par>
+        <p:cTn id="1" dur="indefinite" restart="never" nodeType="tmRoot"/>
+      </p:par>
+    </p:tnLst>
+  </p:timing>
 </p:sld>
 </file>
 
@@ -3878,6 +4359,1657 @@
       </p:grpSpPr>
       <p:sp>
         <p:nvSpPr>
+          <p:cNvPr id="2" name="Title 1"/>
+          <p:cNvSpPr>
+            <a:spLocks noGrp="1"/>
+          </p:cNvSpPr>
+          <p:nvPr>
+            <p:ph type="title"/>
+          </p:nvPr>
+        </p:nvSpPr>
+        <p:spPr/>
+        <p:txBody>
+          <a:bodyPr/>
+          <a:lstStyle/>
+          <a:p>
+            <a:r>
+              <a:rPr lang="zh-CN" altLang="en-US" dirty="0" smtClean="0"/>
+              <a:t>凑近了看</a:t>
+            </a:r>
+            <a:endParaRPr lang="en-US" dirty="0"/>
+          </a:p>
+        </p:txBody>
+      </p:sp>
+      <p:sp>
+        <p:nvSpPr>
+          <p:cNvPr id="3" name="Content Placeholder 2"/>
+          <p:cNvSpPr>
+            <a:spLocks noGrp="1"/>
+          </p:cNvSpPr>
+          <p:nvPr>
+            <p:ph idx="1"/>
+          </p:nvPr>
+        </p:nvSpPr>
+        <p:spPr/>
+        <p:txBody>
+          <a:bodyPr/>
+          <a:lstStyle/>
+          <a:p>
+            <a:r>
+              <a:rPr lang="zh-CN" altLang="en-US" dirty="0" smtClean="0"/>
+              <a:t>来盘</a:t>
+            </a:r>
+            <a:r>
+              <a:rPr lang="en-US" altLang="zh-CN" dirty="0" smtClean="0"/>
+              <a:t>CODE @</a:t>
+            </a:r>
+            <a:r>
+              <a:rPr lang="en-US" altLang="zh-CN" dirty="0" smtClean="0">
+                <a:hlinkClick r:id="rId3"/>
+              </a:rPr>
+              <a:t>HERE</a:t>
+            </a:r>
+            <a:endParaRPr lang="en-US" dirty="0"/>
+          </a:p>
+        </p:txBody>
+      </p:sp>
+      <p:pic>
+        <p:nvPicPr>
+          <p:cNvPr id="4" name="Picture 3"/>
+          <p:cNvPicPr>
+            <a:picLocks noChangeAspect="1"/>
+          </p:cNvPicPr>
+          <p:nvPr/>
+        </p:nvPicPr>
+        <p:blipFill>
+          <a:blip r:embed="rId4"/>
+          <a:stretch>
+            <a:fillRect/>
+          </a:stretch>
+        </p:blipFill>
+        <p:spPr>
+          <a:xfrm>
+            <a:off x="1027113" y="2557173"/>
+            <a:ext cx="9324975" cy="2371725"/>
+          </a:xfrm>
+          <a:prstGeom prst="rect">
+            <a:avLst/>
+          </a:prstGeom>
+        </p:spPr>
+      </p:pic>
+    </p:spTree>
+    <p:extLst>
+      <p:ext uri="{BB962C8B-B14F-4D97-AF65-F5344CB8AC3E}">
+        <p14:creationId xmlns:p14="http://schemas.microsoft.com/office/powerpoint/2010/main" val="743567053"/>
+      </p:ext>
+    </p:extLst>
+  </p:cSld>
+  <p:clrMapOvr>
+    <a:masterClrMapping/>
+  </p:clrMapOvr>
+</p:sld>
+</file>
+
+<file path=ppt/slides/slide4.xml><?xml version="1.0" encoding="utf-8"?>
+<p:sld xmlns:a="http://schemas.openxmlformats.org/drawingml/2006/main" xmlns:r="http://schemas.openxmlformats.org/officeDocument/2006/relationships" xmlns:p="http://schemas.openxmlformats.org/presentationml/2006/main">
+  <p:cSld>
+    <p:spTree>
+      <p:nvGrpSpPr>
+        <p:cNvPr id="1" name=""/>
+        <p:cNvGrpSpPr/>
+        <p:nvPr/>
+      </p:nvGrpSpPr>
+      <p:grpSpPr>
+        <a:xfrm>
+          <a:off x="0" y="0"/>
+          <a:ext cx="0" cy="0"/>
+          <a:chOff x="0" y="0"/>
+          <a:chExt cx="0" cy="0"/>
+        </a:xfrm>
+      </p:grpSpPr>
+      <p:sp>
+        <p:nvSpPr>
+          <p:cNvPr id="2" name="Title 1"/>
+          <p:cNvSpPr>
+            <a:spLocks noGrp="1"/>
+          </p:cNvSpPr>
+          <p:nvPr>
+            <p:ph type="title"/>
+          </p:nvPr>
+        </p:nvSpPr>
+        <p:spPr/>
+        <p:txBody>
+          <a:bodyPr/>
+          <a:lstStyle/>
+          <a:p>
+            <a:r>
+              <a:rPr lang="zh-CN" altLang="en-US" dirty="0"/>
+              <a:t>快速开始：</a:t>
+            </a:r>
+            <a:r>
+              <a:rPr lang="en-US" altLang="zh-CN" dirty="0"/>
+              <a:t>30</a:t>
+            </a:r>
+            <a:r>
+              <a:rPr lang="en-US" dirty="0"/>
+              <a:t>s</a:t>
+            </a:r>
+            <a:r>
+              <a:rPr lang="zh-CN" altLang="en-US" dirty="0"/>
+              <a:t>上手</a:t>
+            </a:r>
+            <a:r>
+              <a:rPr lang="en-US" dirty="0" err="1"/>
+              <a:t>Keras</a:t>
+            </a:r>
+            <a:endParaRPr lang="en-US" dirty="0"/>
+          </a:p>
+        </p:txBody>
+      </p:sp>
+      <p:sp>
+        <p:nvSpPr>
+          <p:cNvPr id="3" name="Content Placeholder 2"/>
+          <p:cNvSpPr>
+            <a:spLocks noGrp="1"/>
+          </p:cNvSpPr>
+          <p:nvPr>
+            <p:ph idx="1"/>
+          </p:nvPr>
+        </p:nvSpPr>
+        <p:spPr/>
+        <p:txBody>
+          <a:bodyPr/>
+          <a:lstStyle/>
+          <a:p>
+            <a:r>
+              <a:rPr lang="en-US" dirty="0" err="1"/>
+              <a:t>Keras</a:t>
+            </a:r>
+            <a:r>
+              <a:rPr lang="zh-CN" altLang="en-US" dirty="0"/>
+              <a:t>的核心数据结构是“模型”，模型是一种组织网络层的方式。</a:t>
+            </a:r>
+            <a:r>
+              <a:rPr lang="en-US" dirty="0" err="1"/>
+              <a:t>Keras</a:t>
+            </a:r>
+            <a:r>
+              <a:rPr lang="zh-CN" altLang="en-US" dirty="0"/>
+              <a:t>中主要的模型是</a:t>
+            </a:r>
+            <a:r>
+              <a:rPr lang="en-US" dirty="0"/>
+              <a:t>Sequential</a:t>
+            </a:r>
+            <a:r>
+              <a:rPr lang="zh-CN" altLang="en-US" dirty="0"/>
+              <a:t>模型，</a:t>
+            </a:r>
+            <a:r>
+              <a:rPr lang="en-US" dirty="0"/>
+              <a:t>Sequential</a:t>
+            </a:r>
+            <a:r>
+              <a:rPr lang="zh-CN" altLang="en-US" dirty="0"/>
+              <a:t>是一系列网络层按顺序构成的栈</a:t>
+            </a:r>
+            <a:r>
+              <a:rPr lang="zh-CN" altLang="en-US" dirty="0" smtClean="0"/>
+              <a:t>。</a:t>
+            </a:r>
+            <a:endParaRPr lang="en-US" altLang="zh-CN" dirty="0" smtClean="0"/>
+          </a:p>
+          <a:p>
+            <a:endParaRPr lang="en-US" dirty="0"/>
+          </a:p>
+          <a:p>
+            <a:r>
+              <a:rPr lang="en-US" dirty="0"/>
+              <a:t>Sequential</a:t>
+            </a:r>
+            <a:r>
+              <a:rPr lang="zh-CN" altLang="en-US" dirty="0"/>
+              <a:t>模型如</a:t>
+            </a:r>
+            <a:r>
+              <a:rPr lang="zh-CN" altLang="en-US" dirty="0" smtClean="0"/>
+              <a:t>下</a:t>
+            </a:r>
+            <a:endParaRPr lang="en-US" altLang="zh-CN" dirty="0" smtClean="0"/>
+          </a:p>
+          <a:p>
+            <a:pPr marL="0" indent="0">
+              <a:buNone/>
+            </a:pPr>
+            <a:endParaRPr lang="en-US" dirty="0"/>
+          </a:p>
+          <a:p>
+            <a:pPr marL="0" indent="0">
+              <a:buNone/>
+            </a:pPr>
+            <a:endParaRPr lang="en-US" dirty="0"/>
+          </a:p>
+        </p:txBody>
+      </p:sp>
+      <p:graphicFrame>
+        <p:nvGraphicFramePr>
+          <p:cNvPr id="4" name="Table 3"/>
+          <p:cNvGraphicFramePr>
+            <a:graphicFrameLocks noGrp="1"/>
+          </p:cNvGraphicFramePr>
+          <p:nvPr>
+            <p:extLst>
+              <p:ext uri="{D42A27DB-BD31-4B8C-83A1-F6EECF244321}">
+                <p14:modId xmlns:p14="http://schemas.microsoft.com/office/powerpoint/2010/main" val="2513610364"/>
+              </p:ext>
+            </p:extLst>
+          </p:nvPr>
+        </p:nvGraphicFramePr>
+        <p:xfrm>
+          <a:off x="1126836" y="4331085"/>
+          <a:ext cx="8128000" cy="914400"/>
+        </p:xfrm>
+        <a:graphic>
+          <a:graphicData uri="http://schemas.openxmlformats.org/drawingml/2006/table">
+            <a:tbl>
+              <a:tblPr firstRow="1" bandRow="1">
+                <a:tableStyleId>{5940675A-B579-460E-94D1-54222C63F5DA}</a:tableStyleId>
+              </a:tblPr>
+              <a:tblGrid>
+                <a:gridCol w="8128000">
+                  <a:extLst>
+                    <a:ext uri="{9D8B030D-6E8A-4147-A177-3AD203B41FA5}">
+                      <a16:colId xmlns:a16="http://schemas.microsoft.com/office/drawing/2014/main" val="1214392320"/>
+                    </a:ext>
+                  </a:extLst>
+                </a:gridCol>
+              </a:tblGrid>
+              <a:tr h="370840">
+                <a:tc>
+                  <a:txBody>
+                    <a:bodyPr/>
+                    <a:lstStyle/>
+                    <a:p>
+                      <a:r>
+                        <a:rPr lang="en-US" sz="1800" b="1" i="0" kern="1200" dirty="0" smtClean="0">
+                          <a:solidFill>
+                            <a:schemeClr val="tx1"/>
+                          </a:solidFill>
+                          <a:effectLst/>
+                          <a:latin typeface="+mn-lt"/>
+                          <a:ea typeface="+mn-ea"/>
+                          <a:cs typeface="+mn-cs"/>
+                        </a:rPr>
+                        <a:t>from</a:t>
+                      </a:r>
+                      <a:r>
+                        <a:rPr lang="en-US" sz="1800" b="0" i="0" kern="1200" dirty="0" smtClean="0">
+                          <a:solidFill>
+                            <a:schemeClr val="tx1"/>
+                          </a:solidFill>
+                          <a:effectLst/>
+                          <a:latin typeface="+mn-lt"/>
+                          <a:ea typeface="+mn-ea"/>
+                          <a:cs typeface="+mn-cs"/>
+                        </a:rPr>
+                        <a:t> </a:t>
+                      </a:r>
+                      <a:r>
+                        <a:rPr lang="en-US" sz="1800" b="0" i="0" kern="1200" dirty="0" err="1" smtClean="0">
+                          <a:solidFill>
+                            <a:schemeClr val="tx1"/>
+                          </a:solidFill>
+                          <a:effectLst/>
+                          <a:latin typeface="+mn-lt"/>
+                          <a:ea typeface="+mn-ea"/>
+                          <a:cs typeface="+mn-cs"/>
+                        </a:rPr>
+                        <a:t>keras.models</a:t>
+                      </a:r>
+                      <a:r>
+                        <a:rPr lang="en-US" sz="1800" b="0" i="0" kern="1200" dirty="0" smtClean="0">
+                          <a:solidFill>
+                            <a:schemeClr val="tx1"/>
+                          </a:solidFill>
+                          <a:effectLst/>
+                          <a:latin typeface="+mn-lt"/>
+                          <a:ea typeface="+mn-ea"/>
+                          <a:cs typeface="+mn-cs"/>
+                        </a:rPr>
+                        <a:t> </a:t>
+                      </a:r>
+                      <a:r>
+                        <a:rPr lang="en-US" sz="1800" b="1" i="0" kern="1200" dirty="0" smtClean="0">
+                          <a:solidFill>
+                            <a:schemeClr val="tx1"/>
+                          </a:solidFill>
+                          <a:effectLst/>
+                          <a:latin typeface="+mn-lt"/>
+                          <a:ea typeface="+mn-ea"/>
+                          <a:cs typeface="+mn-cs"/>
+                        </a:rPr>
+                        <a:t>import</a:t>
+                      </a:r>
+                      <a:r>
+                        <a:rPr lang="en-US" sz="1800" b="0" i="0" kern="1200" dirty="0" smtClean="0">
+                          <a:solidFill>
+                            <a:schemeClr val="tx1"/>
+                          </a:solidFill>
+                          <a:effectLst/>
+                          <a:latin typeface="+mn-lt"/>
+                          <a:ea typeface="+mn-ea"/>
+                          <a:cs typeface="+mn-cs"/>
+                        </a:rPr>
+                        <a:t> Sequential </a:t>
+                      </a:r>
+                    </a:p>
+                    <a:p>
+                      <a:r>
+                        <a:rPr lang="en-US" sz="1800" b="0" i="0" kern="1200" dirty="0" smtClean="0">
+                          <a:solidFill>
+                            <a:schemeClr val="tx1"/>
+                          </a:solidFill>
+                          <a:effectLst/>
+                          <a:latin typeface="+mn-lt"/>
+                          <a:ea typeface="+mn-ea"/>
+                          <a:cs typeface="+mn-cs"/>
+                        </a:rPr>
+                        <a:t>model = Sequential()</a:t>
+                      </a:r>
+                    </a:p>
+                    <a:p>
+                      <a:endParaRPr lang="en-US" dirty="0"/>
+                    </a:p>
+                  </a:txBody>
+                  <a:tcPr>
+                    <a:blipFill>
+                      <a:blip r:embed="rId3"/>
+                      <a:tile tx="0" ty="0" sx="100000" sy="100000" flip="none" algn="tl"/>
+                    </a:blipFill>
+                  </a:tcPr>
+                </a:tc>
+                <a:extLst>
+                  <a:ext uri="{0D108BD9-81ED-4DB2-BD59-A6C34878D82A}">
+                    <a16:rowId xmlns:a16="http://schemas.microsoft.com/office/drawing/2014/main" val="142232608"/>
+                  </a:ext>
+                </a:extLst>
+              </a:tr>
+            </a:tbl>
+          </a:graphicData>
+        </a:graphic>
+      </p:graphicFrame>
+    </p:spTree>
+    <p:extLst>
+      <p:ext uri="{BB962C8B-B14F-4D97-AF65-F5344CB8AC3E}">
+        <p14:creationId xmlns:p14="http://schemas.microsoft.com/office/powerpoint/2010/main" val="2897731979"/>
+      </p:ext>
+    </p:extLst>
+  </p:cSld>
+  <p:clrMapOvr>
+    <a:masterClrMapping/>
+  </p:clrMapOvr>
+</p:sld>
+</file>
+
+<file path=ppt/slides/slide5.xml><?xml version="1.0" encoding="utf-8"?>
+<p:sld xmlns:a="http://schemas.openxmlformats.org/drawingml/2006/main" xmlns:r="http://schemas.openxmlformats.org/officeDocument/2006/relationships" xmlns:p="http://schemas.openxmlformats.org/presentationml/2006/main">
+  <p:cSld>
+    <p:spTree>
+      <p:nvGrpSpPr>
+        <p:cNvPr id="1" name=""/>
+        <p:cNvGrpSpPr/>
+        <p:nvPr/>
+      </p:nvGrpSpPr>
+      <p:grpSpPr>
+        <a:xfrm>
+          <a:off x="0" y="0"/>
+          <a:ext cx="0" cy="0"/>
+          <a:chOff x="0" y="0"/>
+          <a:chExt cx="0" cy="0"/>
+        </a:xfrm>
+      </p:grpSpPr>
+      <p:sp>
+        <p:nvSpPr>
+          <p:cNvPr id="2" name="Title 1"/>
+          <p:cNvSpPr>
+            <a:spLocks noGrp="1"/>
+          </p:cNvSpPr>
+          <p:nvPr>
+            <p:ph type="title"/>
+          </p:nvPr>
+        </p:nvSpPr>
+        <p:spPr/>
+        <p:txBody>
+          <a:bodyPr/>
+          <a:lstStyle/>
+          <a:p>
+            <a:r>
+              <a:rPr lang="zh-CN" altLang="en-US" dirty="0"/>
+              <a:t>编译模型</a:t>
+            </a:r>
+            <a:endParaRPr lang="en-US" dirty="0"/>
+          </a:p>
+        </p:txBody>
+      </p:sp>
+      <p:sp>
+        <p:nvSpPr>
+          <p:cNvPr id="3" name="Content Placeholder 2"/>
+          <p:cNvSpPr>
+            <a:spLocks noGrp="1"/>
+          </p:cNvSpPr>
+          <p:nvPr>
+            <p:ph idx="1"/>
+          </p:nvPr>
+        </p:nvSpPr>
+        <p:spPr/>
+        <p:txBody>
+          <a:bodyPr/>
+          <a:lstStyle/>
+          <a:p>
+            <a:r>
+              <a:rPr lang="zh-CN" altLang="en-US" dirty="0"/>
+              <a:t>将一些网络层通过</a:t>
+            </a:r>
+            <a:r>
+              <a:rPr lang="en-US" altLang="zh-CN" dirty="0"/>
+              <a:t>.add()</a:t>
+            </a:r>
+            <a:r>
+              <a:rPr lang="zh-CN" altLang="en-US" dirty="0"/>
+              <a:t>堆叠起来，就构成了一个模型</a:t>
+            </a:r>
+            <a:r>
+              <a:rPr lang="zh-CN" altLang="en-US" dirty="0" smtClean="0"/>
+              <a:t>：</a:t>
+            </a:r>
+            <a:endParaRPr lang="en-US" altLang="zh-CN" dirty="0" smtClean="0"/>
+          </a:p>
+          <a:p>
+            <a:endParaRPr lang="en-US" altLang="zh-CN" dirty="0"/>
+          </a:p>
+          <a:p>
+            <a:endParaRPr lang="en-US" altLang="zh-CN" dirty="0" smtClean="0"/>
+          </a:p>
+          <a:p>
+            <a:endParaRPr lang="en-US" altLang="zh-CN" dirty="0"/>
+          </a:p>
+          <a:p>
+            <a:endParaRPr lang="en-US" altLang="zh-CN" dirty="0" smtClean="0"/>
+          </a:p>
+          <a:p>
+            <a:endParaRPr lang="en-US" altLang="zh-CN" dirty="0" smtClean="0"/>
+          </a:p>
+          <a:p>
+            <a:r>
+              <a:rPr lang="zh-CN" altLang="en-US" dirty="0" smtClean="0"/>
+              <a:t>完</a:t>
+            </a:r>
+            <a:r>
+              <a:rPr lang="zh-CN" altLang="en-US" dirty="0"/>
+              <a:t>成模型的搭建后，我们需要使用</a:t>
+            </a:r>
+            <a:r>
+              <a:rPr lang="en-US" altLang="zh-CN" dirty="0"/>
+              <a:t>.compile()</a:t>
+            </a:r>
+            <a:r>
+              <a:rPr lang="zh-CN" altLang="en-US" dirty="0"/>
+              <a:t>方法来编译模型：</a:t>
+            </a:r>
+            <a:endParaRPr lang="en-US" altLang="zh-CN" dirty="0" smtClean="0"/>
+          </a:p>
+          <a:p>
+            <a:endParaRPr lang="en-US" dirty="0"/>
+          </a:p>
+        </p:txBody>
+      </p:sp>
+      <p:graphicFrame>
+        <p:nvGraphicFramePr>
+          <p:cNvPr id="6" name="Table 5"/>
+          <p:cNvGraphicFramePr>
+            <a:graphicFrameLocks noGrp="1"/>
+          </p:cNvGraphicFramePr>
+          <p:nvPr>
+            <p:extLst>
+              <p:ext uri="{D42A27DB-BD31-4B8C-83A1-F6EECF244321}">
+                <p14:modId xmlns:p14="http://schemas.microsoft.com/office/powerpoint/2010/main" val="143659269"/>
+              </p:ext>
+            </p:extLst>
+          </p:nvPr>
+        </p:nvGraphicFramePr>
+        <p:xfrm>
+          <a:off x="1376218" y="2391448"/>
+          <a:ext cx="8128000" cy="1737360"/>
+        </p:xfrm>
+        <a:graphic>
+          <a:graphicData uri="http://schemas.openxmlformats.org/drawingml/2006/table">
+            <a:tbl>
+              <a:tblPr firstRow="1" bandRow="1">
+                <a:tableStyleId>{5940675A-B579-460E-94D1-54222C63F5DA}</a:tableStyleId>
+              </a:tblPr>
+              <a:tblGrid>
+                <a:gridCol w="8128000">
+                  <a:extLst>
+                    <a:ext uri="{9D8B030D-6E8A-4147-A177-3AD203B41FA5}">
+                      <a16:colId xmlns:a16="http://schemas.microsoft.com/office/drawing/2014/main" val="1214392320"/>
+                    </a:ext>
+                  </a:extLst>
+                </a:gridCol>
+              </a:tblGrid>
+              <a:tr h="370840">
+                <a:tc>
+                  <a:txBody>
+                    <a:bodyPr/>
+                    <a:lstStyle/>
+                    <a:p>
+                      <a:r>
+                        <a:rPr lang="en-US" sz="1800" b="1" i="0" kern="1200" dirty="0" smtClean="0">
+                          <a:solidFill>
+                            <a:schemeClr val="tx1"/>
+                          </a:solidFill>
+                          <a:effectLst/>
+                          <a:latin typeface="+mn-lt"/>
+                          <a:ea typeface="+mn-ea"/>
+                          <a:cs typeface="+mn-cs"/>
+                        </a:rPr>
+                        <a:t>from</a:t>
+                      </a:r>
+                      <a:r>
+                        <a:rPr lang="en-US" sz="1800" b="0" i="0" kern="1200" dirty="0" smtClean="0">
+                          <a:solidFill>
+                            <a:schemeClr val="tx1"/>
+                          </a:solidFill>
+                          <a:effectLst/>
+                          <a:latin typeface="+mn-lt"/>
+                          <a:ea typeface="+mn-ea"/>
+                          <a:cs typeface="+mn-cs"/>
+                        </a:rPr>
+                        <a:t> </a:t>
+                      </a:r>
+                      <a:r>
+                        <a:rPr lang="en-US" sz="1800" b="0" i="0" kern="1200" dirty="0" err="1" smtClean="0">
+                          <a:solidFill>
+                            <a:schemeClr val="tx1"/>
+                          </a:solidFill>
+                          <a:effectLst/>
+                          <a:latin typeface="+mn-lt"/>
+                          <a:ea typeface="+mn-ea"/>
+                          <a:cs typeface="+mn-cs"/>
+                        </a:rPr>
+                        <a:t>keras.layers</a:t>
+                      </a:r>
+                      <a:r>
+                        <a:rPr lang="en-US" sz="1800" b="0" i="0" kern="1200" dirty="0" smtClean="0">
+                          <a:solidFill>
+                            <a:schemeClr val="tx1"/>
+                          </a:solidFill>
+                          <a:effectLst/>
+                          <a:latin typeface="+mn-lt"/>
+                          <a:ea typeface="+mn-ea"/>
+                          <a:cs typeface="+mn-cs"/>
+                        </a:rPr>
+                        <a:t> </a:t>
+                      </a:r>
+                      <a:r>
+                        <a:rPr lang="en-US" sz="1800" b="1" i="0" kern="1200" dirty="0" smtClean="0">
+                          <a:solidFill>
+                            <a:schemeClr val="tx1"/>
+                          </a:solidFill>
+                          <a:effectLst/>
+                          <a:latin typeface="+mn-lt"/>
+                          <a:ea typeface="+mn-ea"/>
+                          <a:cs typeface="+mn-cs"/>
+                        </a:rPr>
+                        <a:t>import</a:t>
+                      </a:r>
+                      <a:r>
+                        <a:rPr lang="en-US" sz="1800" b="0" i="0" kern="1200" dirty="0" smtClean="0">
+                          <a:solidFill>
+                            <a:schemeClr val="tx1"/>
+                          </a:solidFill>
+                          <a:effectLst/>
+                          <a:latin typeface="+mn-lt"/>
+                          <a:ea typeface="+mn-ea"/>
+                          <a:cs typeface="+mn-cs"/>
+                        </a:rPr>
+                        <a:t> Dense, Activation </a:t>
+                      </a:r>
+                    </a:p>
+                    <a:p>
+                      <a:r>
+                        <a:rPr lang="en-US" sz="1800" b="0" i="0" kern="1200" dirty="0" err="1" smtClean="0">
+                          <a:solidFill>
+                            <a:schemeClr val="tx1"/>
+                          </a:solidFill>
+                          <a:effectLst/>
+                          <a:latin typeface="+mn-lt"/>
+                          <a:ea typeface="+mn-ea"/>
+                          <a:cs typeface="+mn-cs"/>
+                        </a:rPr>
+                        <a:t>model.add</a:t>
+                      </a:r>
+                      <a:r>
+                        <a:rPr lang="en-US" sz="1800" b="0" i="0" kern="1200" dirty="0" smtClean="0">
+                          <a:solidFill>
+                            <a:schemeClr val="tx1"/>
+                          </a:solidFill>
+                          <a:effectLst/>
+                          <a:latin typeface="+mn-lt"/>
+                          <a:ea typeface="+mn-ea"/>
+                          <a:cs typeface="+mn-cs"/>
+                        </a:rPr>
+                        <a:t>(Dense(units=64, </a:t>
+                      </a:r>
+                      <a:r>
+                        <a:rPr lang="en-US" sz="1800" b="0" i="0" kern="1200" dirty="0" err="1" smtClean="0">
+                          <a:solidFill>
+                            <a:schemeClr val="tx1"/>
+                          </a:solidFill>
+                          <a:effectLst/>
+                          <a:latin typeface="+mn-lt"/>
+                          <a:ea typeface="+mn-ea"/>
+                          <a:cs typeface="+mn-cs"/>
+                        </a:rPr>
+                        <a:t>input_dim</a:t>
+                      </a:r>
+                      <a:r>
+                        <a:rPr lang="en-US" sz="1800" b="0" i="0" kern="1200" dirty="0" smtClean="0">
+                          <a:solidFill>
+                            <a:schemeClr val="tx1"/>
+                          </a:solidFill>
+                          <a:effectLst/>
+                          <a:latin typeface="+mn-lt"/>
+                          <a:ea typeface="+mn-ea"/>
+                          <a:cs typeface="+mn-cs"/>
+                        </a:rPr>
+                        <a:t>=100)) </a:t>
+                      </a:r>
+                    </a:p>
+                    <a:p>
+                      <a:r>
+                        <a:rPr lang="en-US" sz="1800" b="0" i="0" kern="1200" dirty="0" err="1" smtClean="0">
+                          <a:solidFill>
+                            <a:schemeClr val="tx1"/>
+                          </a:solidFill>
+                          <a:effectLst/>
+                          <a:latin typeface="+mn-lt"/>
+                          <a:ea typeface="+mn-ea"/>
+                          <a:cs typeface="+mn-cs"/>
+                        </a:rPr>
+                        <a:t>model.add</a:t>
+                      </a:r>
+                      <a:r>
+                        <a:rPr lang="en-US" sz="1800" b="0" i="0" kern="1200" dirty="0" smtClean="0">
+                          <a:solidFill>
+                            <a:schemeClr val="tx1"/>
+                          </a:solidFill>
+                          <a:effectLst/>
+                          <a:latin typeface="+mn-lt"/>
+                          <a:ea typeface="+mn-ea"/>
+                          <a:cs typeface="+mn-cs"/>
+                        </a:rPr>
+                        <a:t>(Activation("</a:t>
+                      </a:r>
+                      <a:r>
+                        <a:rPr lang="en-US" sz="1800" b="0" i="0" kern="1200" dirty="0" err="1" smtClean="0">
+                          <a:solidFill>
+                            <a:schemeClr val="tx1"/>
+                          </a:solidFill>
+                          <a:effectLst/>
+                          <a:latin typeface="+mn-lt"/>
+                          <a:ea typeface="+mn-ea"/>
+                          <a:cs typeface="+mn-cs"/>
+                        </a:rPr>
+                        <a:t>relu</a:t>
+                      </a:r>
+                      <a:r>
+                        <a:rPr lang="en-US" sz="1800" b="0" i="0" kern="1200" dirty="0" smtClean="0">
+                          <a:solidFill>
+                            <a:schemeClr val="tx1"/>
+                          </a:solidFill>
+                          <a:effectLst/>
+                          <a:latin typeface="+mn-lt"/>
+                          <a:ea typeface="+mn-ea"/>
+                          <a:cs typeface="+mn-cs"/>
+                        </a:rPr>
+                        <a:t>")) </a:t>
+                      </a:r>
+                    </a:p>
+                    <a:p>
+                      <a:r>
+                        <a:rPr lang="en-US" sz="1800" b="0" i="0" kern="1200" dirty="0" err="1" smtClean="0">
+                          <a:solidFill>
+                            <a:schemeClr val="tx1"/>
+                          </a:solidFill>
+                          <a:effectLst/>
+                          <a:latin typeface="+mn-lt"/>
+                          <a:ea typeface="+mn-ea"/>
+                          <a:cs typeface="+mn-cs"/>
+                        </a:rPr>
+                        <a:t>model.add</a:t>
+                      </a:r>
+                      <a:r>
+                        <a:rPr lang="en-US" sz="1800" b="0" i="0" kern="1200" dirty="0" smtClean="0">
+                          <a:solidFill>
+                            <a:schemeClr val="tx1"/>
+                          </a:solidFill>
+                          <a:effectLst/>
+                          <a:latin typeface="+mn-lt"/>
+                          <a:ea typeface="+mn-ea"/>
+                          <a:cs typeface="+mn-cs"/>
+                        </a:rPr>
+                        <a:t>(Dense(units=10)) </a:t>
+                      </a:r>
+                    </a:p>
+                    <a:p>
+                      <a:r>
+                        <a:rPr lang="en-US" sz="1800" b="0" i="0" kern="1200" dirty="0" err="1" smtClean="0">
+                          <a:solidFill>
+                            <a:schemeClr val="tx1"/>
+                          </a:solidFill>
+                          <a:effectLst/>
+                          <a:latin typeface="+mn-lt"/>
+                          <a:ea typeface="+mn-ea"/>
+                          <a:cs typeface="+mn-cs"/>
+                        </a:rPr>
+                        <a:t>model.add</a:t>
+                      </a:r>
+                      <a:r>
+                        <a:rPr lang="en-US" sz="1800" b="0" i="0" kern="1200" dirty="0" smtClean="0">
+                          <a:solidFill>
+                            <a:schemeClr val="tx1"/>
+                          </a:solidFill>
+                          <a:effectLst/>
+                          <a:latin typeface="+mn-lt"/>
+                          <a:ea typeface="+mn-ea"/>
+                          <a:cs typeface="+mn-cs"/>
+                        </a:rPr>
+                        <a:t>(Activation("</a:t>
+                      </a:r>
+                      <a:r>
+                        <a:rPr lang="en-US" sz="1800" b="0" i="0" kern="1200" dirty="0" err="1" smtClean="0">
+                          <a:solidFill>
+                            <a:schemeClr val="tx1"/>
+                          </a:solidFill>
+                          <a:effectLst/>
+                          <a:latin typeface="+mn-lt"/>
+                          <a:ea typeface="+mn-ea"/>
+                          <a:cs typeface="+mn-cs"/>
+                        </a:rPr>
+                        <a:t>softmax</a:t>
+                      </a:r>
+                      <a:r>
+                        <a:rPr lang="en-US" sz="1800" b="0" i="0" kern="1200" dirty="0" smtClean="0">
+                          <a:solidFill>
+                            <a:schemeClr val="tx1"/>
+                          </a:solidFill>
+                          <a:effectLst/>
+                          <a:latin typeface="+mn-lt"/>
+                          <a:ea typeface="+mn-ea"/>
+                          <a:cs typeface="+mn-cs"/>
+                        </a:rPr>
+                        <a:t>"))</a:t>
+                      </a:r>
+                    </a:p>
+                    <a:p>
+                      <a:endParaRPr lang="en-US" dirty="0"/>
+                    </a:p>
+                  </a:txBody>
+                  <a:tcPr>
+                    <a:blipFill>
+                      <a:blip r:embed="rId3"/>
+                      <a:tile tx="0" ty="0" sx="100000" sy="100000" flip="none" algn="tl"/>
+                    </a:blipFill>
+                  </a:tcPr>
+                </a:tc>
+                <a:extLst>
+                  <a:ext uri="{0D108BD9-81ED-4DB2-BD59-A6C34878D82A}">
+                    <a16:rowId xmlns:a16="http://schemas.microsoft.com/office/drawing/2014/main" val="142232608"/>
+                  </a:ext>
+                </a:extLst>
+              </a:tr>
+            </a:tbl>
+          </a:graphicData>
+        </a:graphic>
+      </p:graphicFrame>
+      <p:graphicFrame>
+        <p:nvGraphicFramePr>
+          <p:cNvPr id="8" name="Table 7"/>
+          <p:cNvGraphicFramePr>
+            <a:graphicFrameLocks noGrp="1"/>
+          </p:cNvGraphicFramePr>
+          <p:nvPr>
+            <p:extLst>
+              <p:ext uri="{D42A27DB-BD31-4B8C-83A1-F6EECF244321}">
+                <p14:modId xmlns:p14="http://schemas.microsoft.com/office/powerpoint/2010/main" val="152152409"/>
+              </p:ext>
+            </p:extLst>
+          </p:nvPr>
+        </p:nvGraphicFramePr>
+        <p:xfrm>
+          <a:off x="1376218" y="5476477"/>
+          <a:ext cx="8128000" cy="640080"/>
+        </p:xfrm>
+        <a:graphic>
+          <a:graphicData uri="http://schemas.openxmlformats.org/drawingml/2006/table">
+            <a:tbl>
+              <a:tblPr firstRow="1" bandRow="1">
+                <a:tableStyleId>{5940675A-B579-460E-94D1-54222C63F5DA}</a:tableStyleId>
+              </a:tblPr>
+              <a:tblGrid>
+                <a:gridCol w="8128000">
+                  <a:extLst>
+                    <a:ext uri="{9D8B030D-6E8A-4147-A177-3AD203B41FA5}">
+                      <a16:colId xmlns:a16="http://schemas.microsoft.com/office/drawing/2014/main" val="1214392320"/>
+                    </a:ext>
+                  </a:extLst>
+                </a:gridCol>
+              </a:tblGrid>
+              <a:tr h="370840">
+                <a:tc>
+                  <a:txBody>
+                    <a:bodyPr/>
+                    <a:lstStyle/>
+                    <a:p>
+                      <a:r>
+                        <a:rPr lang="en-US" sz="1800" b="0" i="0" kern="1200" dirty="0" err="1" smtClean="0">
+                          <a:solidFill>
+                            <a:schemeClr val="tx1"/>
+                          </a:solidFill>
+                          <a:effectLst/>
+                          <a:latin typeface="+mn-lt"/>
+                          <a:ea typeface="+mn-ea"/>
+                          <a:cs typeface="+mn-cs"/>
+                        </a:rPr>
+                        <a:t>model.compile</a:t>
+                      </a:r>
+                      <a:r>
+                        <a:rPr lang="en-US" sz="1800" b="0" i="0" kern="1200" dirty="0" smtClean="0">
+                          <a:solidFill>
+                            <a:schemeClr val="tx1"/>
+                          </a:solidFill>
+                          <a:effectLst/>
+                          <a:latin typeface="+mn-lt"/>
+                          <a:ea typeface="+mn-ea"/>
+                          <a:cs typeface="+mn-cs"/>
+                        </a:rPr>
+                        <a:t>(loss='</a:t>
+                      </a:r>
+                      <a:r>
+                        <a:rPr lang="en-US" sz="1800" b="0" i="0" kern="1200" dirty="0" err="1" smtClean="0">
+                          <a:solidFill>
+                            <a:schemeClr val="tx1"/>
+                          </a:solidFill>
+                          <a:effectLst/>
+                          <a:latin typeface="+mn-lt"/>
+                          <a:ea typeface="+mn-ea"/>
+                          <a:cs typeface="+mn-cs"/>
+                        </a:rPr>
+                        <a:t>categorical_crossentropy</a:t>
+                      </a:r>
+                      <a:r>
+                        <a:rPr lang="en-US" sz="1800" b="0" i="0" kern="1200" dirty="0" smtClean="0">
+                          <a:solidFill>
+                            <a:schemeClr val="tx1"/>
+                          </a:solidFill>
+                          <a:effectLst/>
+                          <a:latin typeface="+mn-lt"/>
+                          <a:ea typeface="+mn-ea"/>
+                          <a:cs typeface="+mn-cs"/>
+                        </a:rPr>
+                        <a:t>', optimizer='</a:t>
+                      </a:r>
+                      <a:r>
+                        <a:rPr lang="en-US" sz="1800" b="0" i="0" kern="1200" dirty="0" err="1" smtClean="0">
+                          <a:solidFill>
+                            <a:schemeClr val="tx1"/>
+                          </a:solidFill>
+                          <a:effectLst/>
+                          <a:latin typeface="+mn-lt"/>
+                          <a:ea typeface="+mn-ea"/>
+                          <a:cs typeface="+mn-cs"/>
+                        </a:rPr>
+                        <a:t>sgd</a:t>
+                      </a:r>
+                      <a:r>
+                        <a:rPr lang="en-US" sz="1800" b="0" i="0" kern="1200" dirty="0" smtClean="0">
+                          <a:solidFill>
+                            <a:schemeClr val="tx1"/>
+                          </a:solidFill>
+                          <a:effectLst/>
+                          <a:latin typeface="+mn-lt"/>
+                          <a:ea typeface="+mn-ea"/>
+                          <a:cs typeface="+mn-cs"/>
+                        </a:rPr>
+                        <a:t>', metrics=['accuracy'])</a:t>
+                      </a:r>
+                    </a:p>
+                    <a:p>
+                      <a:endParaRPr lang="en-US" dirty="0"/>
+                    </a:p>
+                  </a:txBody>
+                  <a:tcPr>
+                    <a:blipFill>
+                      <a:blip r:embed="rId3"/>
+                      <a:tile tx="0" ty="0" sx="100000" sy="100000" flip="none" algn="tl"/>
+                    </a:blipFill>
+                  </a:tcPr>
+                </a:tc>
+                <a:extLst>
+                  <a:ext uri="{0D108BD9-81ED-4DB2-BD59-A6C34878D82A}">
+                    <a16:rowId xmlns:a16="http://schemas.microsoft.com/office/drawing/2014/main" val="142232608"/>
+                  </a:ext>
+                </a:extLst>
+              </a:tr>
+            </a:tbl>
+          </a:graphicData>
+        </a:graphic>
+      </p:graphicFrame>
+    </p:spTree>
+    <p:extLst>
+      <p:ext uri="{BB962C8B-B14F-4D97-AF65-F5344CB8AC3E}">
+        <p14:creationId xmlns:p14="http://schemas.microsoft.com/office/powerpoint/2010/main" val="3647383126"/>
+      </p:ext>
+    </p:extLst>
+  </p:cSld>
+  <p:clrMapOvr>
+    <a:masterClrMapping/>
+  </p:clrMapOvr>
+</p:sld>
+</file>
+
+<file path=ppt/slides/slide6.xml><?xml version="1.0" encoding="utf-8"?>
+<p:sld xmlns:a="http://schemas.openxmlformats.org/drawingml/2006/main" xmlns:r="http://schemas.openxmlformats.org/officeDocument/2006/relationships" xmlns:p="http://schemas.openxmlformats.org/presentationml/2006/main">
+  <p:cSld>
+    <p:spTree>
+      <p:nvGrpSpPr>
+        <p:cNvPr id="1" name=""/>
+        <p:cNvGrpSpPr/>
+        <p:nvPr/>
+      </p:nvGrpSpPr>
+      <p:grpSpPr>
+        <a:xfrm>
+          <a:off x="0" y="0"/>
+          <a:ext cx="0" cy="0"/>
+          <a:chOff x="0" y="0"/>
+          <a:chExt cx="0" cy="0"/>
+        </a:xfrm>
+      </p:grpSpPr>
+      <p:sp>
+        <p:nvSpPr>
+          <p:cNvPr id="3" name="Content Placeholder 2"/>
+          <p:cNvSpPr>
+            <a:spLocks noGrp="1"/>
+          </p:cNvSpPr>
+          <p:nvPr>
+            <p:ph idx="1"/>
+          </p:nvPr>
+        </p:nvSpPr>
+        <p:spPr>
+          <a:xfrm>
+            <a:off x="838200" y="467877"/>
+            <a:ext cx="10515600" cy="4351338"/>
+          </a:xfrm>
+        </p:spPr>
+        <p:txBody>
+          <a:bodyPr/>
+          <a:lstStyle/>
+          <a:p>
+            <a:r>
+              <a:rPr lang="zh-CN" altLang="en-US" dirty="0"/>
+              <a:t>完成模型编译后，我们在训练数据上按</a:t>
+            </a:r>
+            <a:r>
+              <a:rPr lang="en-US" altLang="zh-CN" dirty="0"/>
+              <a:t>batch</a:t>
+            </a:r>
+            <a:r>
+              <a:rPr lang="zh-CN" altLang="en-US" dirty="0"/>
+              <a:t>进行一定次数的迭代来训练网</a:t>
+            </a:r>
+            <a:r>
+              <a:rPr lang="zh-CN" altLang="en-US" dirty="0" smtClean="0"/>
+              <a:t>络</a:t>
+            </a:r>
+            <a:endParaRPr lang="en-US" altLang="zh-CN" dirty="0" smtClean="0"/>
+          </a:p>
+          <a:p>
+            <a:endParaRPr lang="en-US" altLang="zh-CN" dirty="0"/>
+          </a:p>
+          <a:p>
+            <a:endParaRPr lang="en-US" altLang="zh-CN" dirty="0" smtClean="0"/>
+          </a:p>
+          <a:p>
+            <a:r>
+              <a:rPr lang="zh-CN" altLang="en-US" dirty="0" smtClean="0"/>
+              <a:t>随</a:t>
+            </a:r>
+            <a:r>
+              <a:rPr lang="zh-CN" altLang="en-US" dirty="0"/>
+              <a:t>后，我们可以使用一行代码对我们的模型进行评估，看看模型的指标是否满足我们的要求</a:t>
+            </a:r>
+            <a:r>
+              <a:rPr lang="zh-CN" altLang="en-US" dirty="0" smtClean="0"/>
+              <a:t>：</a:t>
+            </a:r>
+            <a:endParaRPr lang="en-US" altLang="zh-CN" dirty="0" smtClean="0"/>
+          </a:p>
+          <a:p>
+            <a:endParaRPr lang="en-US" altLang="zh-CN" dirty="0"/>
+          </a:p>
+          <a:p>
+            <a:endParaRPr lang="en-US" altLang="zh-CN" dirty="0" smtClean="0"/>
+          </a:p>
+          <a:p>
+            <a:r>
+              <a:rPr lang="zh-CN" altLang="en-US" dirty="0"/>
+              <a:t>或者，我们可以使用我们的模型，对新的数据进行预测</a:t>
+            </a:r>
+            <a:r>
+              <a:rPr lang="zh-CN" altLang="en-US" dirty="0" smtClean="0"/>
+              <a:t>：</a:t>
+            </a:r>
+            <a:endParaRPr lang="en-US" altLang="zh-CN" dirty="0" smtClean="0"/>
+          </a:p>
+          <a:p>
+            <a:endParaRPr lang="en-US" altLang="zh-CN" dirty="0" smtClean="0"/>
+          </a:p>
+          <a:p>
+            <a:endParaRPr lang="en-US" dirty="0"/>
+          </a:p>
+        </p:txBody>
+      </p:sp>
+      <p:graphicFrame>
+        <p:nvGraphicFramePr>
+          <p:cNvPr id="4" name="Table 3"/>
+          <p:cNvGraphicFramePr>
+            <a:graphicFrameLocks noGrp="1"/>
+          </p:cNvGraphicFramePr>
+          <p:nvPr>
+            <p:extLst>
+              <p:ext uri="{D42A27DB-BD31-4B8C-83A1-F6EECF244321}">
+                <p14:modId xmlns:p14="http://schemas.microsoft.com/office/powerpoint/2010/main" val="4218937708"/>
+              </p:ext>
+            </p:extLst>
+          </p:nvPr>
+        </p:nvGraphicFramePr>
+        <p:xfrm>
+          <a:off x="1422400" y="1495605"/>
+          <a:ext cx="8128000" cy="640080"/>
+        </p:xfrm>
+        <a:graphic>
+          <a:graphicData uri="http://schemas.openxmlformats.org/drawingml/2006/table">
+            <a:tbl>
+              <a:tblPr firstRow="1" bandRow="1">
+                <a:tableStyleId>{5940675A-B579-460E-94D1-54222C63F5DA}</a:tableStyleId>
+              </a:tblPr>
+              <a:tblGrid>
+                <a:gridCol w="8128000">
+                  <a:extLst>
+                    <a:ext uri="{9D8B030D-6E8A-4147-A177-3AD203B41FA5}">
+                      <a16:colId xmlns:a16="http://schemas.microsoft.com/office/drawing/2014/main" val="1214392320"/>
+                    </a:ext>
+                  </a:extLst>
+                </a:gridCol>
+              </a:tblGrid>
+              <a:tr h="370840">
+                <a:tc>
+                  <a:txBody>
+                    <a:bodyPr/>
+                    <a:lstStyle/>
+                    <a:p>
+                      <a:r>
+                        <a:rPr lang="en-US" sz="1800" b="0" i="0" kern="1200" dirty="0" err="1" smtClean="0">
+                          <a:solidFill>
+                            <a:schemeClr val="tx1"/>
+                          </a:solidFill>
+                          <a:effectLst/>
+                          <a:latin typeface="+mn-lt"/>
+                          <a:ea typeface="+mn-ea"/>
+                          <a:cs typeface="+mn-cs"/>
+                        </a:rPr>
+                        <a:t>model.fit</a:t>
+                      </a:r>
+                      <a:r>
+                        <a:rPr lang="en-US" sz="1800" b="0" i="0" kern="1200" dirty="0" smtClean="0">
+                          <a:solidFill>
+                            <a:schemeClr val="tx1"/>
+                          </a:solidFill>
+                          <a:effectLst/>
+                          <a:latin typeface="+mn-lt"/>
+                          <a:ea typeface="+mn-ea"/>
+                          <a:cs typeface="+mn-cs"/>
+                        </a:rPr>
+                        <a:t>(</a:t>
+                      </a:r>
+                      <a:r>
+                        <a:rPr lang="en-US" sz="1800" b="0" i="0" kern="1200" dirty="0" err="1" smtClean="0">
+                          <a:solidFill>
+                            <a:schemeClr val="tx1"/>
+                          </a:solidFill>
+                          <a:effectLst/>
+                          <a:latin typeface="+mn-lt"/>
+                          <a:ea typeface="+mn-ea"/>
+                          <a:cs typeface="+mn-cs"/>
+                        </a:rPr>
+                        <a:t>x_train</a:t>
+                      </a:r>
+                      <a:r>
+                        <a:rPr lang="en-US" sz="1800" b="0" i="0" kern="1200" dirty="0" smtClean="0">
+                          <a:solidFill>
+                            <a:schemeClr val="tx1"/>
+                          </a:solidFill>
+                          <a:effectLst/>
+                          <a:latin typeface="+mn-lt"/>
+                          <a:ea typeface="+mn-ea"/>
+                          <a:cs typeface="+mn-cs"/>
+                        </a:rPr>
+                        <a:t>, </a:t>
+                      </a:r>
+                      <a:r>
+                        <a:rPr lang="en-US" sz="1800" b="0" i="0" kern="1200" dirty="0" err="1" smtClean="0">
+                          <a:solidFill>
+                            <a:schemeClr val="tx1"/>
+                          </a:solidFill>
+                          <a:effectLst/>
+                          <a:latin typeface="+mn-lt"/>
+                          <a:ea typeface="+mn-ea"/>
+                          <a:cs typeface="+mn-cs"/>
+                        </a:rPr>
+                        <a:t>y_train</a:t>
+                      </a:r>
+                      <a:r>
+                        <a:rPr lang="en-US" sz="1800" b="0" i="0" kern="1200" dirty="0" smtClean="0">
+                          <a:solidFill>
+                            <a:schemeClr val="tx1"/>
+                          </a:solidFill>
+                          <a:effectLst/>
+                          <a:latin typeface="+mn-lt"/>
+                          <a:ea typeface="+mn-ea"/>
+                          <a:cs typeface="+mn-cs"/>
+                        </a:rPr>
+                        <a:t>, epochs=5, </a:t>
+                      </a:r>
+                      <a:r>
+                        <a:rPr lang="en-US" sz="1800" b="0" i="0" kern="1200" dirty="0" err="1" smtClean="0">
+                          <a:solidFill>
+                            <a:schemeClr val="tx1"/>
+                          </a:solidFill>
+                          <a:effectLst/>
+                          <a:latin typeface="+mn-lt"/>
+                          <a:ea typeface="+mn-ea"/>
+                          <a:cs typeface="+mn-cs"/>
+                        </a:rPr>
+                        <a:t>batch_size</a:t>
+                      </a:r>
+                      <a:r>
+                        <a:rPr lang="en-US" sz="1800" b="0" i="0" kern="1200" dirty="0" smtClean="0">
+                          <a:solidFill>
+                            <a:schemeClr val="tx1"/>
+                          </a:solidFill>
+                          <a:effectLst/>
+                          <a:latin typeface="+mn-lt"/>
+                          <a:ea typeface="+mn-ea"/>
+                          <a:cs typeface="+mn-cs"/>
+                        </a:rPr>
+                        <a:t>=32)</a:t>
+                      </a:r>
+                    </a:p>
+                    <a:p>
+                      <a:endParaRPr lang="en-US" dirty="0"/>
+                    </a:p>
+                  </a:txBody>
+                  <a:tcPr>
+                    <a:blipFill>
+                      <a:blip r:embed="rId3"/>
+                      <a:tile tx="0" ty="0" sx="100000" sy="100000" flip="none" algn="tl"/>
+                    </a:blipFill>
+                  </a:tcPr>
+                </a:tc>
+                <a:extLst>
+                  <a:ext uri="{0D108BD9-81ED-4DB2-BD59-A6C34878D82A}">
+                    <a16:rowId xmlns:a16="http://schemas.microsoft.com/office/drawing/2014/main" val="142232608"/>
+                  </a:ext>
+                </a:extLst>
+              </a:tr>
+            </a:tbl>
+          </a:graphicData>
+        </a:graphic>
+      </p:graphicFrame>
+      <p:graphicFrame>
+        <p:nvGraphicFramePr>
+          <p:cNvPr id="6" name="Table 5"/>
+          <p:cNvGraphicFramePr>
+            <a:graphicFrameLocks noGrp="1"/>
+          </p:cNvGraphicFramePr>
+          <p:nvPr>
+            <p:extLst>
+              <p:ext uri="{D42A27DB-BD31-4B8C-83A1-F6EECF244321}">
+                <p14:modId xmlns:p14="http://schemas.microsoft.com/office/powerpoint/2010/main" val="2529489952"/>
+              </p:ext>
+            </p:extLst>
+          </p:nvPr>
+        </p:nvGraphicFramePr>
+        <p:xfrm>
+          <a:off x="1422400" y="3439859"/>
+          <a:ext cx="8128000" cy="640080"/>
+        </p:xfrm>
+        <a:graphic>
+          <a:graphicData uri="http://schemas.openxmlformats.org/drawingml/2006/table">
+            <a:tbl>
+              <a:tblPr firstRow="1" bandRow="1">
+                <a:tableStyleId>{5940675A-B579-460E-94D1-54222C63F5DA}</a:tableStyleId>
+              </a:tblPr>
+              <a:tblGrid>
+                <a:gridCol w="8128000">
+                  <a:extLst>
+                    <a:ext uri="{9D8B030D-6E8A-4147-A177-3AD203B41FA5}">
+                      <a16:colId xmlns:a16="http://schemas.microsoft.com/office/drawing/2014/main" val="1214392320"/>
+                    </a:ext>
+                  </a:extLst>
+                </a:gridCol>
+              </a:tblGrid>
+              <a:tr h="370840">
+                <a:tc>
+                  <a:txBody>
+                    <a:bodyPr/>
+                    <a:lstStyle/>
+                    <a:p>
+                      <a:r>
+                        <a:rPr lang="en-US" sz="1800" b="0" i="0" kern="1200" dirty="0" err="1" smtClean="0">
+                          <a:solidFill>
+                            <a:schemeClr val="tx1"/>
+                          </a:solidFill>
+                          <a:effectLst/>
+                          <a:latin typeface="+mn-lt"/>
+                          <a:ea typeface="+mn-ea"/>
+                          <a:cs typeface="+mn-cs"/>
+                        </a:rPr>
+                        <a:t>loss_and_metrics</a:t>
+                      </a:r>
+                      <a:r>
+                        <a:rPr lang="en-US" sz="1800" b="0" i="0" kern="1200" dirty="0" smtClean="0">
+                          <a:solidFill>
+                            <a:schemeClr val="tx1"/>
+                          </a:solidFill>
+                          <a:effectLst/>
+                          <a:latin typeface="+mn-lt"/>
+                          <a:ea typeface="+mn-ea"/>
+                          <a:cs typeface="+mn-cs"/>
+                        </a:rPr>
+                        <a:t> = </a:t>
+                      </a:r>
+                      <a:r>
+                        <a:rPr lang="en-US" sz="1800" b="0" i="0" kern="1200" dirty="0" err="1" smtClean="0">
+                          <a:solidFill>
+                            <a:schemeClr val="tx1"/>
+                          </a:solidFill>
+                          <a:effectLst/>
+                          <a:latin typeface="+mn-lt"/>
+                          <a:ea typeface="+mn-ea"/>
+                          <a:cs typeface="+mn-cs"/>
+                        </a:rPr>
+                        <a:t>model.evaluate</a:t>
+                      </a:r>
+                      <a:r>
+                        <a:rPr lang="en-US" sz="1800" b="0" i="0" kern="1200" dirty="0" smtClean="0">
+                          <a:solidFill>
+                            <a:schemeClr val="tx1"/>
+                          </a:solidFill>
+                          <a:effectLst/>
+                          <a:latin typeface="+mn-lt"/>
+                          <a:ea typeface="+mn-ea"/>
+                          <a:cs typeface="+mn-cs"/>
+                        </a:rPr>
+                        <a:t>(</a:t>
+                      </a:r>
+                      <a:r>
+                        <a:rPr lang="en-US" sz="1800" b="0" i="0" kern="1200" dirty="0" err="1" smtClean="0">
+                          <a:solidFill>
+                            <a:schemeClr val="tx1"/>
+                          </a:solidFill>
+                          <a:effectLst/>
+                          <a:latin typeface="+mn-lt"/>
+                          <a:ea typeface="+mn-ea"/>
+                          <a:cs typeface="+mn-cs"/>
+                        </a:rPr>
+                        <a:t>x_test</a:t>
+                      </a:r>
+                      <a:r>
+                        <a:rPr lang="en-US" sz="1800" b="0" i="0" kern="1200" dirty="0" smtClean="0">
+                          <a:solidFill>
+                            <a:schemeClr val="tx1"/>
+                          </a:solidFill>
+                          <a:effectLst/>
+                          <a:latin typeface="+mn-lt"/>
+                          <a:ea typeface="+mn-ea"/>
+                          <a:cs typeface="+mn-cs"/>
+                        </a:rPr>
+                        <a:t>, </a:t>
+                      </a:r>
+                      <a:r>
+                        <a:rPr lang="en-US" sz="1800" b="0" i="0" kern="1200" dirty="0" err="1" smtClean="0">
+                          <a:solidFill>
+                            <a:schemeClr val="tx1"/>
+                          </a:solidFill>
+                          <a:effectLst/>
+                          <a:latin typeface="+mn-lt"/>
+                          <a:ea typeface="+mn-ea"/>
+                          <a:cs typeface="+mn-cs"/>
+                        </a:rPr>
+                        <a:t>y_test</a:t>
+                      </a:r>
+                      <a:r>
+                        <a:rPr lang="en-US" sz="1800" b="0" i="0" kern="1200" dirty="0" smtClean="0">
+                          <a:solidFill>
+                            <a:schemeClr val="tx1"/>
+                          </a:solidFill>
+                          <a:effectLst/>
+                          <a:latin typeface="+mn-lt"/>
+                          <a:ea typeface="+mn-ea"/>
+                          <a:cs typeface="+mn-cs"/>
+                        </a:rPr>
+                        <a:t>, </a:t>
+                      </a:r>
+                      <a:r>
+                        <a:rPr lang="en-US" sz="1800" b="0" i="0" kern="1200" dirty="0" err="1" smtClean="0">
+                          <a:solidFill>
+                            <a:schemeClr val="tx1"/>
+                          </a:solidFill>
+                          <a:effectLst/>
+                          <a:latin typeface="+mn-lt"/>
+                          <a:ea typeface="+mn-ea"/>
+                          <a:cs typeface="+mn-cs"/>
+                        </a:rPr>
+                        <a:t>batch_size</a:t>
+                      </a:r>
+                      <a:r>
+                        <a:rPr lang="en-US" sz="1800" b="0" i="0" kern="1200" dirty="0" smtClean="0">
+                          <a:solidFill>
+                            <a:schemeClr val="tx1"/>
+                          </a:solidFill>
+                          <a:effectLst/>
+                          <a:latin typeface="+mn-lt"/>
+                          <a:ea typeface="+mn-ea"/>
+                          <a:cs typeface="+mn-cs"/>
+                        </a:rPr>
+                        <a:t>=128)</a:t>
+                      </a:r>
+                    </a:p>
+                    <a:p>
+                      <a:endParaRPr lang="en-US" dirty="0"/>
+                    </a:p>
+                  </a:txBody>
+                  <a:tcPr>
+                    <a:blipFill>
+                      <a:blip r:embed="rId3"/>
+                      <a:tile tx="0" ty="0" sx="100000" sy="100000" flip="none" algn="tl"/>
+                    </a:blipFill>
+                  </a:tcPr>
+                </a:tc>
+                <a:extLst>
+                  <a:ext uri="{0D108BD9-81ED-4DB2-BD59-A6C34878D82A}">
+                    <a16:rowId xmlns:a16="http://schemas.microsoft.com/office/drawing/2014/main" val="142232608"/>
+                  </a:ext>
+                </a:extLst>
+              </a:tr>
+            </a:tbl>
+          </a:graphicData>
+        </a:graphic>
+      </p:graphicFrame>
+      <p:graphicFrame>
+        <p:nvGraphicFramePr>
+          <p:cNvPr id="7" name="Table 6"/>
+          <p:cNvGraphicFramePr>
+            <a:graphicFrameLocks noGrp="1"/>
+          </p:cNvGraphicFramePr>
+          <p:nvPr>
+            <p:extLst>
+              <p:ext uri="{D42A27DB-BD31-4B8C-83A1-F6EECF244321}">
+                <p14:modId xmlns:p14="http://schemas.microsoft.com/office/powerpoint/2010/main" val="2282835208"/>
+              </p:ext>
+            </p:extLst>
+          </p:nvPr>
+        </p:nvGraphicFramePr>
+        <p:xfrm>
+          <a:off x="1422400" y="4940768"/>
+          <a:ext cx="8128000" cy="640080"/>
+        </p:xfrm>
+        <a:graphic>
+          <a:graphicData uri="http://schemas.openxmlformats.org/drawingml/2006/table">
+            <a:tbl>
+              <a:tblPr firstRow="1" bandRow="1">
+                <a:tableStyleId>{5940675A-B579-460E-94D1-54222C63F5DA}</a:tableStyleId>
+              </a:tblPr>
+              <a:tblGrid>
+                <a:gridCol w="8128000">
+                  <a:extLst>
+                    <a:ext uri="{9D8B030D-6E8A-4147-A177-3AD203B41FA5}">
+                      <a16:colId xmlns:a16="http://schemas.microsoft.com/office/drawing/2014/main" val="1214392320"/>
+                    </a:ext>
+                  </a:extLst>
+                </a:gridCol>
+              </a:tblGrid>
+              <a:tr h="370840">
+                <a:tc>
+                  <a:txBody>
+                    <a:bodyPr/>
+                    <a:lstStyle/>
+                    <a:p>
+                      <a:r>
+                        <a:rPr lang="en-US" sz="1800" b="0" i="0" kern="1200" dirty="0" smtClean="0">
+                          <a:solidFill>
+                            <a:schemeClr val="tx1"/>
+                          </a:solidFill>
+                          <a:effectLst/>
+                          <a:latin typeface="+mn-lt"/>
+                          <a:ea typeface="+mn-ea"/>
+                          <a:cs typeface="+mn-cs"/>
+                        </a:rPr>
+                        <a:t>classes = </a:t>
+                      </a:r>
+                      <a:r>
+                        <a:rPr lang="en-US" sz="1800" b="0" i="0" kern="1200" dirty="0" err="1" smtClean="0">
+                          <a:solidFill>
+                            <a:schemeClr val="tx1"/>
+                          </a:solidFill>
+                          <a:effectLst/>
+                          <a:latin typeface="+mn-lt"/>
+                          <a:ea typeface="+mn-ea"/>
+                          <a:cs typeface="+mn-cs"/>
+                        </a:rPr>
+                        <a:t>model.predict</a:t>
+                      </a:r>
+                      <a:r>
+                        <a:rPr lang="en-US" sz="1800" b="0" i="0" kern="1200" dirty="0" smtClean="0">
+                          <a:solidFill>
+                            <a:schemeClr val="tx1"/>
+                          </a:solidFill>
+                          <a:effectLst/>
+                          <a:latin typeface="+mn-lt"/>
+                          <a:ea typeface="+mn-ea"/>
+                          <a:cs typeface="+mn-cs"/>
+                        </a:rPr>
+                        <a:t>(</a:t>
+                      </a:r>
+                      <a:r>
+                        <a:rPr lang="en-US" sz="1800" b="0" i="0" kern="1200" dirty="0" err="1" smtClean="0">
+                          <a:solidFill>
+                            <a:schemeClr val="tx1"/>
+                          </a:solidFill>
+                          <a:effectLst/>
+                          <a:latin typeface="+mn-lt"/>
+                          <a:ea typeface="+mn-ea"/>
+                          <a:cs typeface="+mn-cs"/>
+                        </a:rPr>
+                        <a:t>x_test</a:t>
+                      </a:r>
+                      <a:r>
+                        <a:rPr lang="en-US" sz="1800" b="0" i="0" kern="1200" dirty="0" smtClean="0">
+                          <a:solidFill>
+                            <a:schemeClr val="tx1"/>
+                          </a:solidFill>
+                          <a:effectLst/>
+                          <a:latin typeface="+mn-lt"/>
+                          <a:ea typeface="+mn-ea"/>
+                          <a:cs typeface="+mn-cs"/>
+                        </a:rPr>
+                        <a:t>, </a:t>
+                      </a:r>
+                      <a:r>
+                        <a:rPr lang="en-US" sz="1800" b="0" i="0" kern="1200" dirty="0" err="1" smtClean="0">
+                          <a:solidFill>
+                            <a:schemeClr val="tx1"/>
+                          </a:solidFill>
+                          <a:effectLst/>
+                          <a:latin typeface="+mn-lt"/>
+                          <a:ea typeface="+mn-ea"/>
+                          <a:cs typeface="+mn-cs"/>
+                        </a:rPr>
+                        <a:t>batch_size</a:t>
+                      </a:r>
+                      <a:r>
+                        <a:rPr lang="en-US" sz="1800" b="0" i="0" kern="1200" dirty="0" smtClean="0">
+                          <a:solidFill>
+                            <a:schemeClr val="tx1"/>
+                          </a:solidFill>
+                          <a:effectLst/>
+                          <a:latin typeface="+mn-lt"/>
+                          <a:ea typeface="+mn-ea"/>
+                          <a:cs typeface="+mn-cs"/>
+                        </a:rPr>
+                        <a:t>=128)</a:t>
+                      </a:r>
+                    </a:p>
+                    <a:p>
+                      <a:endParaRPr lang="en-US" dirty="0"/>
+                    </a:p>
+                  </a:txBody>
+                  <a:tcPr>
+                    <a:blipFill>
+                      <a:blip r:embed="rId3"/>
+                      <a:tile tx="0" ty="0" sx="100000" sy="100000" flip="none" algn="tl"/>
+                    </a:blipFill>
+                  </a:tcPr>
+                </a:tc>
+                <a:extLst>
+                  <a:ext uri="{0D108BD9-81ED-4DB2-BD59-A6C34878D82A}">
+                    <a16:rowId xmlns:a16="http://schemas.microsoft.com/office/drawing/2014/main" val="142232608"/>
+                  </a:ext>
+                </a:extLst>
+              </a:tr>
+            </a:tbl>
+          </a:graphicData>
+        </a:graphic>
+      </p:graphicFrame>
+    </p:spTree>
+    <p:extLst>
+      <p:ext uri="{BB962C8B-B14F-4D97-AF65-F5344CB8AC3E}">
+        <p14:creationId xmlns:p14="http://schemas.microsoft.com/office/powerpoint/2010/main" val="4041927846"/>
+      </p:ext>
+    </p:extLst>
+  </p:cSld>
+  <p:clrMapOvr>
+    <a:masterClrMapping/>
+  </p:clrMapOvr>
+</p:sld>
+</file>
+
+<file path=ppt/slides/slide7.xml><?xml version="1.0" encoding="utf-8"?>
+<p:sld xmlns:a="http://schemas.openxmlformats.org/drawingml/2006/main" xmlns:r="http://schemas.openxmlformats.org/officeDocument/2006/relationships" xmlns:p="http://schemas.openxmlformats.org/presentationml/2006/main">
+  <p:cSld>
+    <p:spTree>
+      <p:nvGrpSpPr>
+        <p:cNvPr id="1" name=""/>
+        <p:cNvGrpSpPr/>
+        <p:nvPr/>
+      </p:nvGrpSpPr>
+      <p:grpSpPr>
+        <a:xfrm>
+          <a:off x="0" y="0"/>
+          <a:ext cx="0" cy="0"/>
+          <a:chOff x="0" y="0"/>
+          <a:chExt cx="0" cy="0"/>
+        </a:xfrm>
+      </p:grpSpPr>
+      <p:sp>
+        <p:nvSpPr>
+          <p:cNvPr id="4" name="Title 3"/>
+          <p:cNvSpPr>
+            <a:spLocks noGrp="1"/>
+          </p:cNvSpPr>
+          <p:nvPr>
+            <p:ph type="title"/>
+          </p:nvPr>
+        </p:nvSpPr>
+        <p:spPr/>
+        <p:txBody>
+          <a:bodyPr/>
+          <a:lstStyle/>
+          <a:p>
+            <a:r>
+              <a:rPr lang="en-US" altLang="zh-CN" dirty="0" smtClean="0"/>
+              <a:t>DEMO</a:t>
+            </a:r>
+            <a:endParaRPr lang="en-US" dirty="0"/>
+          </a:p>
+        </p:txBody>
+      </p:sp>
+      <p:sp>
+        <p:nvSpPr>
+          <p:cNvPr id="5" name="Text Placeholder 4"/>
+          <p:cNvSpPr>
+            <a:spLocks noGrp="1"/>
+          </p:cNvSpPr>
+          <p:nvPr>
+            <p:ph type="body" idx="1"/>
+          </p:nvPr>
+        </p:nvSpPr>
+        <p:spPr/>
+        <p:txBody>
+          <a:bodyPr/>
+          <a:lstStyle/>
+          <a:p>
+            <a:r>
+              <a:rPr lang="zh-CN" altLang="en-US" smtClean="0"/>
+              <a:t>文档与栗子</a:t>
+            </a:r>
+            <a:endParaRPr lang="en-US"/>
+          </a:p>
+        </p:txBody>
+      </p:sp>
+    </p:spTree>
+    <p:extLst>
+      <p:ext uri="{BB962C8B-B14F-4D97-AF65-F5344CB8AC3E}">
+        <p14:creationId xmlns:p14="http://schemas.microsoft.com/office/powerpoint/2010/main" val="2642142100"/>
+      </p:ext>
+    </p:extLst>
+  </p:cSld>
+  <p:clrMapOvr>
+    <a:masterClrMapping/>
+  </p:clrMapOvr>
+</p:sld>
+</file>
+
+<file path=ppt/slides/slide8.xml><?xml version="1.0" encoding="utf-8"?>
+<p:sld xmlns:a="http://schemas.openxmlformats.org/drawingml/2006/main" xmlns:r="http://schemas.openxmlformats.org/officeDocument/2006/relationships" xmlns:p="http://schemas.openxmlformats.org/presentationml/2006/main">
+  <p:cSld>
+    <p:spTree>
+      <p:nvGrpSpPr>
+        <p:cNvPr id="1" name=""/>
+        <p:cNvGrpSpPr/>
+        <p:nvPr/>
+      </p:nvGrpSpPr>
+      <p:grpSpPr>
+        <a:xfrm>
+          <a:off x="0" y="0"/>
+          <a:ext cx="0" cy="0"/>
+          <a:chOff x="0" y="0"/>
+          <a:chExt cx="0" cy="0"/>
+        </a:xfrm>
+      </p:grpSpPr>
+      <p:sp>
+        <p:nvSpPr>
           <p:cNvPr id="2" name="Title 1">
             <a:extLst>
               <a:ext uri="{FF2B5EF4-FFF2-40B4-BE49-F238E27FC236}">
@@ -3930,7 +6062,21 @@
               <a:rPr lang="en-US" dirty="0">
                 <a:hlinkClick r:id="rId3"/>
               </a:rPr>
-              <a:t>https://keras.io/</a:t>
+              <a:t>https://github.com/fchollet/keras</a:t>
+            </a:r>
+          </a:p>
+          <a:p>
+            <a:r>
+              <a:rPr lang="en-US" dirty="0" smtClean="0">
+                <a:hlinkClick r:id="rId3"/>
+              </a:rPr>
+              <a:t>https</a:t>
+            </a:r>
+            <a:r>
+              <a:rPr lang="en-US" dirty="0">
+                <a:hlinkClick r:id="rId3"/>
+              </a:rPr>
+              <a:t>://keras.io/</a:t>
             </a:r>
             <a:endParaRPr lang="en-US" dirty="0"/>
           </a:p>

--- a/keras/Keras.pptx
+++ b/keras/Keras.pptx
@@ -5971,10 +5971,10 @@
           <a:lstStyle/>
           <a:p>
             <a:r>
-              <a:rPr lang="zh-CN" altLang="en-US" smtClean="0"/>
+              <a:rPr lang="zh-CN" altLang="en-US" dirty="0" smtClean="0"/>
               <a:t>文档与栗子</a:t>
             </a:r>
-            <a:endParaRPr lang="en-US"/>
+            <a:endParaRPr lang="en-US" dirty="0"/>
           </a:p>
         </p:txBody>
       </p:sp>

--- a/keras/Keras.pptx
+++ b/keras/Keras.pptx
@@ -208,7 +208,7 @@
           <a:p>
             <a:fld id="{9F97281E-09FB-4228-9B08-8883913788F2}" type="datetimeFigureOut">
               <a:rPr lang="en-US" smtClean="0"/>
-              <a:t>11/7/2017</a:t>
+              <a:t>11/9/2017</a:t>
             </a:fld>
             <a:endParaRPr lang="en-US"/>
           </a:p>
@@ -1276,7 +1276,7 @@
           <a:p>
             <a:fld id="{6B70359B-F0EC-45CC-912A-5046475CEFCF}" type="datetimeFigureOut">
               <a:rPr lang="en-US" smtClean="0"/>
-              <a:t>11/7/2017</a:t>
+              <a:t>11/9/2017</a:t>
             </a:fld>
             <a:endParaRPr lang="en-US"/>
           </a:p>
@@ -1444,7 +1444,7 @@
           <a:p>
             <a:fld id="{6B70359B-F0EC-45CC-912A-5046475CEFCF}" type="datetimeFigureOut">
               <a:rPr lang="en-US" smtClean="0"/>
-              <a:t>11/7/2017</a:t>
+              <a:t>11/9/2017</a:t>
             </a:fld>
             <a:endParaRPr lang="en-US"/>
           </a:p>
@@ -1622,7 +1622,7 @@
           <a:p>
             <a:fld id="{6B70359B-F0EC-45CC-912A-5046475CEFCF}" type="datetimeFigureOut">
               <a:rPr lang="en-US" smtClean="0"/>
-              <a:t>11/7/2017</a:t>
+              <a:t>11/9/2017</a:t>
             </a:fld>
             <a:endParaRPr lang="en-US"/>
           </a:p>
@@ -1790,7 +1790,7 @@
           <a:p>
             <a:fld id="{6B70359B-F0EC-45CC-912A-5046475CEFCF}" type="datetimeFigureOut">
               <a:rPr lang="en-US" smtClean="0"/>
-              <a:t>11/7/2017</a:t>
+              <a:t>11/9/2017</a:t>
             </a:fld>
             <a:endParaRPr lang="en-US"/>
           </a:p>
@@ -2035,7 +2035,7 @@
           <a:p>
             <a:fld id="{6B70359B-F0EC-45CC-912A-5046475CEFCF}" type="datetimeFigureOut">
               <a:rPr lang="en-US" smtClean="0"/>
-              <a:t>11/7/2017</a:t>
+              <a:t>11/9/2017</a:t>
             </a:fld>
             <a:endParaRPr lang="en-US"/>
           </a:p>
@@ -2264,7 +2264,7 @@
           <a:p>
             <a:fld id="{6B70359B-F0EC-45CC-912A-5046475CEFCF}" type="datetimeFigureOut">
               <a:rPr lang="en-US" smtClean="0"/>
-              <a:t>11/7/2017</a:t>
+              <a:t>11/9/2017</a:t>
             </a:fld>
             <a:endParaRPr lang="en-US"/>
           </a:p>
@@ -2628,7 +2628,7 @@
           <a:p>
             <a:fld id="{6B70359B-F0EC-45CC-912A-5046475CEFCF}" type="datetimeFigureOut">
               <a:rPr lang="en-US" smtClean="0"/>
-              <a:t>11/7/2017</a:t>
+              <a:t>11/9/2017</a:t>
             </a:fld>
             <a:endParaRPr lang="en-US"/>
           </a:p>
@@ -2745,7 +2745,7 @@
           <a:p>
             <a:fld id="{6B70359B-F0EC-45CC-912A-5046475CEFCF}" type="datetimeFigureOut">
               <a:rPr lang="en-US" smtClean="0"/>
-              <a:t>11/7/2017</a:t>
+              <a:t>11/9/2017</a:t>
             </a:fld>
             <a:endParaRPr lang="en-US"/>
           </a:p>
@@ -2840,7 +2840,7 @@
           <a:p>
             <a:fld id="{6B70359B-F0EC-45CC-912A-5046475CEFCF}" type="datetimeFigureOut">
               <a:rPr lang="en-US" smtClean="0"/>
-              <a:t>11/7/2017</a:t>
+              <a:t>11/9/2017</a:t>
             </a:fld>
             <a:endParaRPr lang="en-US"/>
           </a:p>
@@ -3115,7 +3115,7 @@
           <a:p>
             <a:fld id="{6B70359B-F0EC-45CC-912A-5046475CEFCF}" type="datetimeFigureOut">
               <a:rPr lang="en-US" smtClean="0"/>
-              <a:t>11/7/2017</a:t>
+              <a:t>11/9/2017</a:t>
             </a:fld>
             <a:endParaRPr lang="en-US"/>
           </a:p>
@@ -3367,7 +3367,7 @@
           <a:p>
             <a:fld id="{6B70359B-F0EC-45CC-912A-5046475CEFCF}" type="datetimeFigureOut">
               <a:rPr lang="en-US" smtClean="0"/>
-              <a:t>11/7/2017</a:t>
+              <a:t>11/9/2017</a:t>
             </a:fld>
             <a:endParaRPr lang="en-US"/>
           </a:p>
@@ -3578,7 +3578,7 @@
           <a:p>
             <a:fld id="{6B70359B-F0EC-45CC-912A-5046475CEFCF}" type="datetimeFigureOut">
               <a:rPr lang="en-US" smtClean="0"/>
-              <a:t>11/7/2017</a:t>
+              <a:t>11/9/2017</a:t>
             </a:fld>
             <a:endParaRPr lang="en-US"/>
           </a:p>
@@ -4149,150 +4149,255 @@
           <a:lstStyle/>
           <a:p>
             <a:r>
-              <a:rPr lang="en-US" altLang="zh-CN" dirty="0" err="1"/>
+              <a:rPr lang="en-US" altLang="zh-CN" dirty="0" err="1">
+                <a:latin typeface="+mj-ea"/>
+                <a:ea typeface="+mj-ea"/>
+              </a:rPr>
               <a:t>Keras</a:t>
             </a:r>
             <a:r>
-              <a:rPr lang="zh-CN" altLang="en-US" dirty="0"/>
+              <a:rPr lang="zh-CN" altLang="en-US" dirty="0">
+                <a:latin typeface="+mj-ea"/>
+                <a:ea typeface="+mj-ea"/>
+              </a:rPr>
               <a:t>是一个高层神经网络</a:t>
             </a:r>
             <a:r>
-              <a:rPr lang="en-US" altLang="zh-CN" dirty="0"/>
+              <a:rPr lang="en-US" altLang="zh-CN" dirty="0">
+                <a:latin typeface="+mj-ea"/>
+                <a:ea typeface="+mj-ea"/>
+              </a:rPr>
               <a:t>API</a:t>
             </a:r>
             <a:r>
-              <a:rPr lang="zh-CN" altLang="en-US" dirty="0"/>
+              <a:rPr lang="zh-CN" altLang="en-US" dirty="0">
+                <a:latin typeface="+mj-ea"/>
+                <a:ea typeface="+mj-ea"/>
+              </a:rPr>
               <a:t>，由纯</a:t>
             </a:r>
             <a:r>
-              <a:rPr lang="en-US" altLang="zh-CN" dirty="0"/>
+              <a:rPr lang="en-US" altLang="zh-CN" dirty="0">
+                <a:latin typeface="+mj-ea"/>
+                <a:ea typeface="+mj-ea"/>
+              </a:rPr>
               <a:t>Python</a:t>
             </a:r>
             <a:r>
-              <a:rPr lang="zh-CN" altLang="en-US" dirty="0"/>
+              <a:rPr lang="zh-CN" altLang="en-US" dirty="0">
+                <a:latin typeface="+mj-ea"/>
+                <a:ea typeface="+mj-ea"/>
+              </a:rPr>
               <a:t>编写而成并基</a:t>
             </a:r>
             <a:r>
-              <a:rPr lang="en-US" altLang="zh-CN" dirty="0" err="1"/>
+              <a:rPr lang="en-US" altLang="zh-CN" dirty="0" err="1">
+                <a:latin typeface="+mj-ea"/>
+                <a:ea typeface="+mj-ea"/>
+              </a:rPr>
               <a:t>Tensorflow</a:t>
             </a:r>
             <a:r>
-              <a:rPr lang="zh-CN" altLang="en-US" dirty="0"/>
+              <a:rPr lang="zh-CN" altLang="en-US" dirty="0">
+                <a:latin typeface="+mj-ea"/>
+                <a:ea typeface="+mj-ea"/>
+              </a:rPr>
               <a:t>、</a:t>
             </a:r>
             <a:r>
-              <a:rPr lang="en-US" altLang="zh-CN" dirty="0" err="1"/>
+              <a:rPr lang="en-US" altLang="zh-CN" dirty="0" err="1">
+                <a:latin typeface="+mj-ea"/>
+                <a:ea typeface="+mj-ea"/>
+              </a:rPr>
               <a:t>Theano</a:t>
             </a:r>
             <a:r>
-              <a:rPr lang="zh-CN" altLang="en-US" dirty="0"/>
+              <a:rPr lang="zh-CN" altLang="en-US" dirty="0">
+                <a:latin typeface="+mj-ea"/>
+                <a:ea typeface="+mj-ea"/>
+              </a:rPr>
               <a:t>以及</a:t>
             </a:r>
             <a:r>
-              <a:rPr lang="en-US" altLang="zh-CN" dirty="0"/>
+              <a:rPr lang="en-US" altLang="zh-CN" dirty="0">
+                <a:latin typeface="+mj-ea"/>
+                <a:ea typeface="+mj-ea"/>
+              </a:rPr>
               <a:t>CNTK</a:t>
             </a:r>
             <a:r>
-              <a:rPr lang="zh-CN" altLang="en-US" dirty="0"/>
+              <a:rPr lang="zh-CN" altLang="en-US" dirty="0">
+                <a:latin typeface="+mj-ea"/>
+                <a:ea typeface="+mj-ea"/>
+              </a:rPr>
               <a:t>后端。</a:t>
             </a:r>
-            <a:endParaRPr lang="en-US" altLang="zh-CN" dirty="0"/>
-          </a:p>
-          <a:p>
-            <a:r>
-              <a:rPr lang="en-US" altLang="zh-CN" dirty="0" err="1"/>
+            <a:endParaRPr lang="en-US" altLang="zh-CN" dirty="0">
+              <a:latin typeface="+mj-ea"/>
+              <a:ea typeface="+mj-ea"/>
+            </a:endParaRPr>
+          </a:p>
+          <a:p>
+            <a:r>
+              <a:rPr lang="en-US" altLang="zh-CN" dirty="0" err="1">
+                <a:latin typeface="+mj-ea"/>
+                <a:ea typeface="+mj-ea"/>
+              </a:rPr>
               <a:t>Keras</a:t>
             </a:r>
             <a:r>
-              <a:rPr lang="en-US" altLang="zh-CN" dirty="0"/>
+              <a:rPr lang="en-US" altLang="zh-CN" dirty="0">
+                <a:latin typeface="+mj-ea"/>
+                <a:ea typeface="+mj-ea"/>
+              </a:rPr>
               <a:t> </a:t>
             </a:r>
             <a:r>
-              <a:rPr lang="zh-CN" altLang="en-US" dirty="0"/>
+              <a:rPr lang="zh-CN" altLang="en-US" dirty="0">
+                <a:latin typeface="+mj-ea"/>
+                <a:ea typeface="+mj-ea"/>
+              </a:rPr>
               <a:t>为支持快速实验而生，能够把你的</a:t>
             </a:r>
             <a:r>
-              <a:rPr lang="en-US" altLang="zh-CN" dirty="0"/>
+              <a:rPr lang="en-US" altLang="zh-CN" dirty="0">
+                <a:latin typeface="+mj-ea"/>
+                <a:ea typeface="+mj-ea"/>
+              </a:rPr>
               <a:t>idea</a:t>
             </a:r>
             <a:r>
-              <a:rPr lang="zh-CN" altLang="en-US" dirty="0"/>
+              <a:rPr lang="zh-CN" altLang="en-US" dirty="0">
+                <a:latin typeface="+mj-ea"/>
+                <a:ea typeface="+mj-ea"/>
+              </a:rPr>
               <a:t>迅速转换为结果，如果你有如下需求，请选择</a:t>
             </a:r>
             <a:r>
-              <a:rPr lang="en-US" altLang="zh-CN" dirty="0" err="1"/>
+              <a:rPr lang="en-US" altLang="zh-CN" dirty="0" err="1">
+                <a:latin typeface="+mj-ea"/>
+                <a:ea typeface="+mj-ea"/>
+              </a:rPr>
               <a:t>Keras</a:t>
             </a:r>
             <a:r>
-              <a:rPr lang="zh-CN" altLang="en-US" dirty="0"/>
+              <a:rPr lang="zh-CN" altLang="en-US" dirty="0">
+                <a:latin typeface="+mj-ea"/>
+                <a:ea typeface="+mj-ea"/>
+              </a:rPr>
               <a:t>：</a:t>
             </a:r>
           </a:p>
           <a:p>
             <a:pPr lvl="1"/>
             <a:r>
-              <a:rPr lang="zh-CN" altLang="en-US" dirty="0" smtClean="0"/>
+              <a:rPr lang="zh-CN" altLang="en-US" dirty="0" smtClean="0">
+                <a:latin typeface="+mj-ea"/>
+                <a:ea typeface="+mj-ea"/>
+              </a:rPr>
               <a:t>简</a:t>
             </a:r>
             <a:r>
-              <a:rPr lang="zh-CN" altLang="en-US" dirty="0"/>
+              <a:rPr lang="zh-CN" altLang="en-US" dirty="0">
+                <a:latin typeface="+mj-ea"/>
+                <a:ea typeface="+mj-ea"/>
+              </a:rPr>
               <a:t>易和快速的原型设计（</a:t>
             </a:r>
             <a:r>
-              <a:rPr lang="en-US" altLang="zh-CN" dirty="0" err="1"/>
+              <a:rPr lang="en-US" altLang="zh-CN" dirty="0" err="1">
+                <a:latin typeface="+mj-ea"/>
+                <a:ea typeface="+mj-ea"/>
+              </a:rPr>
               <a:t>keras</a:t>
             </a:r>
             <a:r>
-              <a:rPr lang="zh-CN" altLang="en-US" dirty="0"/>
+              <a:rPr lang="zh-CN" altLang="en-US" dirty="0">
+                <a:latin typeface="+mj-ea"/>
+                <a:ea typeface="+mj-ea"/>
+              </a:rPr>
               <a:t>具有高度模块化，极简，和可扩充特性）</a:t>
             </a:r>
           </a:p>
           <a:p>
             <a:pPr lvl="1"/>
             <a:r>
-              <a:rPr lang="zh-CN" altLang="en-US" dirty="0"/>
+              <a:rPr lang="zh-CN" altLang="en-US" dirty="0">
+                <a:latin typeface="+mj-ea"/>
+                <a:ea typeface="+mj-ea"/>
+              </a:rPr>
               <a:t>支持</a:t>
             </a:r>
             <a:r>
-              <a:rPr lang="en-US" altLang="zh-CN" dirty="0"/>
+              <a:rPr lang="en-US" altLang="zh-CN" dirty="0">
+                <a:latin typeface="+mj-ea"/>
+                <a:ea typeface="+mj-ea"/>
+              </a:rPr>
               <a:t>CNN</a:t>
             </a:r>
             <a:r>
-              <a:rPr lang="zh-CN" altLang="en-US" dirty="0"/>
+              <a:rPr lang="zh-CN" altLang="en-US" dirty="0">
+                <a:latin typeface="+mj-ea"/>
+                <a:ea typeface="+mj-ea"/>
+              </a:rPr>
               <a:t>和</a:t>
             </a:r>
             <a:r>
-              <a:rPr lang="en-US" altLang="zh-CN" dirty="0"/>
+              <a:rPr lang="en-US" altLang="zh-CN" dirty="0">
+                <a:latin typeface="+mj-ea"/>
+                <a:ea typeface="+mj-ea"/>
+              </a:rPr>
               <a:t>RNN</a:t>
             </a:r>
             <a:r>
-              <a:rPr lang="zh-CN" altLang="en-US" dirty="0"/>
+              <a:rPr lang="zh-CN" altLang="en-US" dirty="0">
+                <a:latin typeface="+mj-ea"/>
+                <a:ea typeface="+mj-ea"/>
+              </a:rPr>
               <a:t>，或二者的结合</a:t>
             </a:r>
           </a:p>
           <a:p>
             <a:pPr lvl="1"/>
             <a:r>
-              <a:rPr lang="zh-CN" altLang="en-US" dirty="0"/>
+              <a:rPr lang="zh-CN" altLang="en-US" dirty="0">
+                <a:latin typeface="+mj-ea"/>
+                <a:ea typeface="+mj-ea"/>
+              </a:rPr>
               <a:t>无缝</a:t>
             </a:r>
             <a:r>
-              <a:rPr lang="en-US" altLang="zh-CN" dirty="0"/>
+              <a:rPr lang="en-US" altLang="zh-CN" dirty="0">
+                <a:latin typeface="+mj-ea"/>
+                <a:ea typeface="+mj-ea"/>
+              </a:rPr>
               <a:t>CPU</a:t>
             </a:r>
             <a:r>
-              <a:rPr lang="zh-CN" altLang="en-US" dirty="0"/>
+              <a:rPr lang="zh-CN" altLang="en-US" dirty="0">
+                <a:latin typeface="+mj-ea"/>
+                <a:ea typeface="+mj-ea"/>
+              </a:rPr>
               <a:t>和</a:t>
             </a:r>
             <a:r>
-              <a:rPr lang="en-US" altLang="zh-CN" dirty="0"/>
+              <a:rPr lang="en-US" altLang="zh-CN" dirty="0">
+                <a:latin typeface="+mj-ea"/>
+                <a:ea typeface="+mj-ea"/>
+              </a:rPr>
               <a:t>GPU</a:t>
             </a:r>
             <a:r>
-              <a:rPr lang="zh-CN" altLang="en-US" dirty="0"/>
+              <a:rPr lang="zh-CN" altLang="en-US" dirty="0">
+                <a:latin typeface="+mj-ea"/>
+                <a:ea typeface="+mj-ea"/>
+              </a:rPr>
               <a:t>切换</a:t>
             </a:r>
-            <a:endParaRPr lang="en-US" dirty="0"/>
+            <a:endParaRPr lang="en-US" dirty="0">
+              <a:latin typeface="+mj-ea"/>
+              <a:ea typeface="+mj-ea"/>
+            </a:endParaRPr>
           </a:p>
         </p:txBody>
       </p:sp>
@@ -4396,20 +4501,31 @@
           <a:lstStyle/>
           <a:p>
             <a:r>
-              <a:rPr lang="zh-CN" altLang="en-US" dirty="0" smtClean="0"/>
+              <a:rPr lang="zh-CN" altLang="en-US" dirty="0" smtClean="0">
+                <a:latin typeface="+mj-ea"/>
+                <a:ea typeface="+mj-ea"/>
+              </a:rPr>
               <a:t>来盘</a:t>
             </a:r>
             <a:r>
-              <a:rPr lang="en-US" altLang="zh-CN" dirty="0" smtClean="0"/>
+              <a:rPr lang="en-US" altLang="zh-CN" dirty="0" smtClean="0">
+                <a:latin typeface="+mj-ea"/>
+                <a:ea typeface="+mj-ea"/>
+              </a:rPr>
               <a:t>CODE @</a:t>
             </a:r>
             <a:r>
               <a:rPr lang="en-US" altLang="zh-CN" dirty="0" smtClean="0">
+                <a:latin typeface="+mj-ea"/>
+                <a:ea typeface="+mj-ea"/>
                 <a:hlinkClick r:id="rId3"/>
               </a:rPr>
               <a:t>HERE</a:t>
             </a:r>
-            <a:endParaRPr lang="en-US" dirty="0"/>
+            <a:endParaRPr lang="en-US" dirty="0">
+              <a:latin typeface="+mj-ea"/>
+              <a:ea typeface="+mj-ea"/>
+            </a:endParaRPr>
           </a:p>
         </p:txBody>
       </p:sp>
@@ -4522,60 +4638,105 @@
           <a:lstStyle/>
           <a:p>
             <a:r>
-              <a:rPr lang="en-US" dirty="0" err="1"/>
+              <a:rPr lang="en-US" dirty="0" err="1">
+                <a:latin typeface="+mj-ea"/>
+                <a:ea typeface="+mj-ea"/>
+              </a:rPr>
               <a:t>Keras</a:t>
             </a:r>
             <a:r>
-              <a:rPr lang="zh-CN" altLang="en-US" dirty="0"/>
+              <a:rPr lang="zh-CN" altLang="en-US" dirty="0">
+                <a:latin typeface="+mj-ea"/>
+                <a:ea typeface="+mj-ea"/>
+              </a:rPr>
               <a:t>的核心数据结构是“模型”，模型是一种组织网络层的方式。</a:t>
             </a:r>
             <a:r>
-              <a:rPr lang="en-US" dirty="0" err="1"/>
+              <a:rPr lang="en-US" dirty="0" err="1">
+                <a:latin typeface="+mj-ea"/>
+                <a:ea typeface="+mj-ea"/>
+              </a:rPr>
               <a:t>Keras</a:t>
             </a:r>
             <a:r>
-              <a:rPr lang="zh-CN" altLang="en-US" dirty="0"/>
+              <a:rPr lang="zh-CN" altLang="en-US" dirty="0">
+                <a:latin typeface="+mj-ea"/>
+                <a:ea typeface="+mj-ea"/>
+              </a:rPr>
               <a:t>中主要的模型是</a:t>
             </a:r>
             <a:r>
-              <a:rPr lang="en-US" dirty="0"/>
+              <a:rPr lang="en-US" dirty="0">
+                <a:latin typeface="+mj-ea"/>
+                <a:ea typeface="+mj-ea"/>
+              </a:rPr>
               <a:t>Sequential</a:t>
             </a:r>
             <a:r>
-              <a:rPr lang="zh-CN" altLang="en-US" dirty="0"/>
+              <a:rPr lang="zh-CN" altLang="en-US" dirty="0">
+                <a:latin typeface="+mj-ea"/>
+                <a:ea typeface="+mj-ea"/>
+              </a:rPr>
               <a:t>模型，</a:t>
             </a:r>
             <a:r>
-              <a:rPr lang="en-US" dirty="0"/>
+              <a:rPr lang="en-US" dirty="0">
+                <a:latin typeface="+mj-ea"/>
+                <a:ea typeface="+mj-ea"/>
+              </a:rPr>
               <a:t>Sequential</a:t>
             </a:r>
             <a:r>
-              <a:rPr lang="zh-CN" altLang="en-US" dirty="0"/>
+              <a:rPr lang="zh-CN" altLang="en-US" dirty="0">
+                <a:latin typeface="+mj-ea"/>
+                <a:ea typeface="+mj-ea"/>
+              </a:rPr>
               <a:t>是一系列网络层按顺序构成的栈</a:t>
             </a:r>
             <a:r>
-              <a:rPr lang="zh-CN" altLang="en-US" dirty="0" smtClean="0"/>
+              <a:rPr lang="zh-CN" altLang="en-US" dirty="0" smtClean="0">
+                <a:latin typeface="+mj-ea"/>
+                <a:ea typeface="+mj-ea"/>
+              </a:rPr>
               <a:t>。</a:t>
             </a:r>
-            <a:endParaRPr lang="en-US" altLang="zh-CN" dirty="0" smtClean="0"/>
-          </a:p>
-          <a:p>
-            <a:endParaRPr lang="en-US" dirty="0"/>
-          </a:p>
-          <a:p>
-            <a:r>
-              <a:rPr lang="en-US" dirty="0"/>
+            <a:endParaRPr lang="en-US" altLang="zh-CN" dirty="0" smtClean="0">
+              <a:latin typeface="+mj-ea"/>
+              <a:ea typeface="+mj-ea"/>
+            </a:endParaRPr>
+          </a:p>
+          <a:p>
+            <a:endParaRPr lang="en-US" dirty="0">
+              <a:latin typeface="+mj-ea"/>
+              <a:ea typeface="+mj-ea"/>
+            </a:endParaRPr>
+          </a:p>
+          <a:p>
+            <a:r>
+              <a:rPr lang="en-US" dirty="0">
+                <a:latin typeface="+mj-ea"/>
+                <a:ea typeface="+mj-ea"/>
+              </a:rPr>
               <a:t>Sequential</a:t>
             </a:r>
             <a:r>
-              <a:rPr lang="zh-CN" altLang="en-US" dirty="0"/>
+              <a:rPr lang="zh-CN" altLang="en-US" dirty="0">
+                <a:latin typeface="+mj-ea"/>
+                <a:ea typeface="+mj-ea"/>
+              </a:rPr>
               <a:t>模型如</a:t>
             </a:r>
             <a:r>
-              <a:rPr lang="zh-CN" altLang="en-US" dirty="0" smtClean="0"/>
+              <a:rPr lang="zh-CN" altLang="en-US" dirty="0" smtClean="0">
+                <a:latin typeface="+mj-ea"/>
+                <a:ea typeface="+mj-ea"/>
+              </a:rPr>
               <a:t>下</a:t>
             </a:r>
-            <a:endParaRPr lang="en-US" altLang="zh-CN" dirty="0" smtClean="0"/>
+            <a:endParaRPr lang="en-US" altLang="zh-CN" dirty="0" smtClean="0">
+              <a:latin typeface="+mj-ea"/>
+              <a:ea typeface="+mj-ea"/>
+            </a:endParaRPr>
           </a:p>
           <a:p>
             <a:pPr marL="0" indent="0">
@@ -4807,56 +4968,101 @@
           <a:lstStyle/>
           <a:p>
             <a:r>
-              <a:rPr lang="zh-CN" altLang="en-US" dirty="0"/>
+              <a:rPr lang="zh-CN" altLang="en-US" dirty="0">
+                <a:latin typeface="+mj-ea"/>
+                <a:ea typeface="+mj-ea"/>
+              </a:rPr>
               <a:t>将一些网络层通过</a:t>
             </a:r>
             <a:r>
-              <a:rPr lang="en-US" altLang="zh-CN" dirty="0"/>
+              <a:rPr lang="en-US" altLang="zh-CN" dirty="0">
+                <a:latin typeface="+mj-ea"/>
+                <a:ea typeface="+mj-ea"/>
+              </a:rPr>
               <a:t>.add()</a:t>
             </a:r>
             <a:r>
-              <a:rPr lang="zh-CN" altLang="en-US" dirty="0"/>
+              <a:rPr lang="zh-CN" altLang="en-US" dirty="0">
+                <a:latin typeface="+mj-ea"/>
+                <a:ea typeface="+mj-ea"/>
+              </a:rPr>
               <a:t>堆叠起来，就构成了一个模型</a:t>
             </a:r>
             <a:r>
-              <a:rPr lang="zh-CN" altLang="en-US" dirty="0" smtClean="0"/>
+              <a:rPr lang="zh-CN" altLang="en-US" dirty="0" smtClean="0">
+                <a:latin typeface="+mj-ea"/>
+                <a:ea typeface="+mj-ea"/>
+              </a:rPr>
               <a:t>：</a:t>
             </a:r>
-            <a:endParaRPr lang="en-US" altLang="zh-CN" dirty="0" smtClean="0"/>
-          </a:p>
-          <a:p>
-            <a:endParaRPr lang="en-US" altLang="zh-CN" dirty="0"/>
-          </a:p>
-          <a:p>
-            <a:endParaRPr lang="en-US" altLang="zh-CN" dirty="0" smtClean="0"/>
-          </a:p>
-          <a:p>
-            <a:endParaRPr lang="en-US" altLang="zh-CN" dirty="0"/>
-          </a:p>
-          <a:p>
-            <a:endParaRPr lang="en-US" altLang="zh-CN" dirty="0" smtClean="0"/>
-          </a:p>
-          <a:p>
-            <a:endParaRPr lang="en-US" altLang="zh-CN" dirty="0" smtClean="0"/>
-          </a:p>
-          <a:p>
-            <a:r>
-              <a:rPr lang="zh-CN" altLang="en-US" dirty="0" smtClean="0"/>
+            <a:endParaRPr lang="en-US" altLang="zh-CN" dirty="0" smtClean="0">
+              <a:latin typeface="+mj-ea"/>
+              <a:ea typeface="+mj-ea"/>
+            </a:endParaRPr>
+          </a:p>
+          <a:p>
+            <a:endParaRPr lang="en-US" altLang="zh-CN" dirty="0">
+              <a:latin typeface="+mj-ea"/>
+              <a:ea typeface="+mj-ea"/>
+            </a:endParaRPr>
+          </a:p>
+          <a:p>
+            <a:endParaRPr lang="en-US" altLang="zh-CN" dirty="0" smtClean="0">
+              <a:latin typeface="+mj-ea"/>
+              <a:ea typeface="+mj-ea"/>
+            </a:endParaRPr>
+          </a:p>
+          <a:p>
+            <a:endParaRPr lang="en-US" altLang="zh-CN" dirty="0">
+              <a:latin typeface="+mj-ea"/>
+              <a:ea typeface="+mj-ea"/>
+            </a:endParaRPr>
+          </a:p>
+          <a:p>
+            <a:endParaRPr lang="en-US" altLang="zh-CN" dirty="0" smtClean="0">
+              <a:latin typeface="+mj-ea"/>
+              <a:ea typeface="+mj-ea"/>
+            </a:endParaRPr>
+          </a:p>
+          <a:p>
+            <a:endParaRPr lang="en-US" altLang="zh-CN" dirty="0" smtClean="0">
+              <a:latin typeface="+mj-ea"/>
+              <a:ea typeface="+mj-ea"/>
+            </a:endParaRPr>
+          </a:p>
+          <a:p>
+            <a:r>
+              <a:rPr lang="zh-CN" altLang="en-US" dirty="0" smtClean="0">
+                <a:latin typeface="+mj-ea"/>
+                <a:ea typeface="+mj-ea"/>
+              </a:rPr>
               <a:t>完</a:t>
             </a:r>
             <a:r>
-              <a:rPr lang="zh-CN" altLang="en-US" dirty="0"/>
+              <a:rPr lang="zh-CN" altLang="en-US" dirty="0">
+                <a:latin typeface="+mj-ea"/>
+                <a:ea typeface="+mj-ea"/>
+              </a:rPr>
               <a:t>成模型的搭建后，我们需要使用</a:t>
             </a:r>
             <a:r>
-              <a:rPr lang="en-US" altLang="zh-CN" dirty="0"/>
+              <a:rPr lang="en-US" altLang="zh-CN" dirty="0">
+                <a:latin typeface="+mj-ea"/>
+                <a:ea typeface="+mj-ea"/>
+              </a:rPr>
               <a:t>.compile()</a:t>
             </a:r>
             <a:r>
-              <a:rPr lang="zh-CN" altLang="en-US" dirty="0"/>
+              <a:rPr lang="zh-CN" altLang="en-US" dirty="0">
+                <a:latin typeface="+mj-ea"/>
+                <a:ea typeface="+mj-ea"/>
+              </a:rPr>
               <a:t>方法来编译模型：</a:t>
             </a:r>
-            <a:endParaRPr lang="en-US" altLang="zh-CN" dirty="0" smtClean="0"/>
+            <a:endParaRPr lang="en-US" altLang="zh-CN" dirty="0" smtClean="0">
+              <a:latin typeface="+mj-ea"/>
+              <a:ea typeface="+mj-ea"/>
+            </a:endParaRPr>
           </a:p>
           <a:p>
             <a:endParaRPr lang="en-US" dirty="0"/>
@@ -5356,60 +5562,108 @@
           <a:lstStyle/>
           <a:p>
             <a:r>
-              <a:rPr lang="zh-CN" altLang="en-US" dirty="0"/>
+              <a:rPr lang="zh-CN" altLang="en-US" dirty="0">
+                <a:latin typeface="+mj-ea"/>
+                <a:ea typeface="+mj-ea"/>
+              </a:rPr>
               <a:t>完成模型编译后，我们在训练数据上按</a:t>
             </a:r>
             <a:r>
-              <a:rPr lang="en-US" altLang="zh-CN" dirty="0"/>
+              <a:rPr lang="en-US" altLang="zh-CN" dirty="0">
+                <a:latin typeface="+mj-ea"/>
+                <a:ea typeface="+mj-ea"/>
+              </a:rPr>
               <a:t>batch</a:t>
             </a:r>
             <a:r>
-              <a:rPr lang="zh-CN" altLang="en-US" dirty="0"/>
+              <a:rPr lang="zh-CN" altLang="en-US" dirty="0">
+                <a:latin typeface="+mj-ea"/>
+                <a:ea typeface="+mj-ea"/>
+              </a:rPr>
               <a:t>进行一定次数的迭代来训练网</a:t>
             </a:r>
             <a:r>
-              <a:rPr lang="zh-CN" altLang="en-US" dirty="0" smtClean="0"/>
+              <a:rPr lang="zh-CN" altLang="en-US" dirty="0" smtClean="0">
+                <a:latin typeface="+mj-ea"/>
+                <a:ea typeface="+mj-ea"/>
+              </a:rPr>
               <a:t>络</a:t>
             </a:r>
-            <a:endParaRPr lang="en-US" altLang="zh-CN" dirty="0" smtClean="0"/>
-          </a:p>
-          <a:p>
-            <a:endParaRPr lang="en-US" altLang="zh-CN" dirty="0"/>
-          </a:p>
-          <a:p>
-            <a:endParaRPr lang="en-US" altLang="zh-CN" dirty="0" smtClean="0"/>
-          </a:p>
-          <a:p>
-            <a:r>
-              <a:rPr lang="zh-CN" altLang="en-US" dirty="0" smtClean="0"/>
+            <a:endParaRPr lang="en-US" altLang="zh-CN" dirty="0" smtClean="0">
+              <a:latin typeface="+mj-ea"/>
+              <a:ea typeface="+mj-ea"/>
+            </a:endParaRPr>
+          </a:p>
+          <a:p>
+            <a:endParaRPr lang="en-US" altLang="zh-CN" dirty="0">
+              <a:latin typeface="+mj-ea"/>
+              <a:ea typeface="+mj-ea"/>
+            </a:endParaRPr>
+          </a:p>
+          <a:p>
+            <a:endParaRPr lang="en-US" altLang="zh-CN" dirty="0" smtClean="0">
+              <a:latin typeface="+mj-ea"/>
+              <a:ea typeface="+mj-ea"/>
+            </a:endParaRPr>
+          </a:p>
+          <a:p>
+            <a:r>
+              <a:rPr lang="zh-CN" altLang="en-US" dirty="0" smtClean="0">
+                <a:latin typeface="+mj-ea"/>
+                <a:ea typeface="+mj-ea"/>
+              </a:rPr>
               <a:t>随</a:t>
             </a:r>
             <a:r>
-              <a:rPr lang="zh-CN" altLang="en-US" dirty="0"/>
+              <a:rPr lang="zh-CN" altLang="en-US" dirty="0">
+                <a:latin typeface="+mj-ea"/>
+                <a:ea typeface="+mj-ea"/>
+              </a:rPr>
               <a:t>后，我们可以使用一行代码对我们的模型进行评估，看看模型的指标是否满足我们的要求</a:t>
             </a:r>
             <a:r>
-              <a:rPr lang="zh-CN" altLang="en-US" dirty="0" smtClean="0"/>
+              <a:rPr lang="zh-CN" altLang="en-US" dirty="0" smtClean="0">
+                <a:latin typeface="+mj-ea"/>
+                <a:ea typeface="+mj-ea"/>
+              </a:rPr>
               <a:t>：</a:t>
             </a:r>
-            <a:endParaRPr lang="en-US" altLang="zh-CN" dirty="0" smtClean="0"/>
-          </a:p>
-          <a:p>
-            <a:endParaRPr lang="en-US" altLang="zh-CN" dirty="0"/>
-          </a:p>
-          <a:p>
-            <a:endParaRPr lang="en-US" altLang="zh-CN" dirty="0" smtClean="0"/>
-          </a:p>
-          <a:p>
-            <a:r>
-              <a:rPr lang="zh-CN" altLang="en-US" dirty="0"/>
+            <a:endParaRPr lang="en-US" altLang="zh-CN" dirty="0" smtClean="0">
+              <a:latin typeface="+mj-ea"/>
+              <a:ea typeface="+mj-ea"/>
+            </a:endParaRPr>
+          </a:p>
+          <a:p>
+            <a:endParaRPr lang="en-US" altLang="zh-CN" dirty="0">
+              <a:latin typeface="+mj-ea"/>
+              <a:ea typeface="+mj-ea"/>
+            </a:endParaRPr>
+          </a:p>
+          <a:p>
+            <a:endParaRPr lang="en-US" altLang="zh-CN" dirty="0" smtClean="0">
+              <a:latin typeface="+mj-ea"/>
+              <a:ea typeface="+mj-ea"/>
+            </a:endParaRPr>
+          </a:p>
+          <a:p>
+            <a:r>
+              <a:rPr lang="zh-CN" altLang="en-US" dirty="0">
+                <a:latin typeface="+mj-ea"/>
+                <a:ea typeface="+mj-ea"/>
+              </a:rPr>
               <a:t>或者，我们可以使用我们的模型，对新的数据进行预测</a:t>
             </a:r>
             <a:r>
-              <a:rPr lang="zh-CN" altLang="en-US" dirty="0" smtClean="0"/>
+              <a:rPr lang="zh-CN" altLang="en-US" dirty="0" smtClean="0">
+                <a:latin typeface="+mj-ea"/>
+                <a:ea typeface="+mj-ea"/>
+              </a:rPr>
               <a:t>：</a:t>
             </a:r>
-            <a:endParaRPr lang="en-US" altLang="zh-CN" dirty="0" smtClean="0"/>
+            <a:endParaRPr lang="en-US" altLang="zh-CN" dirty="0" smtClean="0">
+              <a:latin typeface="+mj-ea"/>
+              <a:ea typeface="+mj-ea"/>
+            </a:endParaRPr>
           </a:p>
           <a:p>
             <a:endParaRPr lang="en-US" altLang="zh-CN" dirty="0" smtClean="0"/>
@@ -5971,8 +6225,20 @@
           <a:lstStyle/>
           <a:p>
             <a:r>
+              <a:rPr lang="en-US" dirty="0" smtClean="0"/>
+              <a:t>Resnet50</a:t>
+            </a:r>
+            <a:r>
+              <a:rPr lang="zh-CN" altLang="en-US" smtClean="0"/>
+              <a:t>、</a:t>
+            </a:r>
+            <a:r>
+              <a:rPr lang="zh-CN" altLang="en-US" smtClean="0"/>
+              <a:t>文</a:t>
+            </a:r>
+            <a:r>
               <a:rPr lang="zh-CN" altLang="en-US" dirty="0" smtClean="0"/>
-              <a:t>文档与栗子</a:t>
+              <a:t>档与栗子</a:t>
             </a:r>
             <a:endParaRPr lang="en-US" dirty="0"/>
           </a:p>

--- a/keras/Keras.pptx
+++ b/keras/Keras.pptx
@@ -10,10 +10,10 @@
   <p:sldIdLst>
     <p:sldId id="256" r:id="rId2"/>
     <p:sldId id="257" r:id="rId3"/>
-    <p:sldId id="259" r:id="rId4"/>
-    <p:sldId id="260" r:id="rId5"/>
-    <p:sldId id="261" r:id="rId6"/>
-    <p:sldId id="262" r:id="rId7"/>
+    <p:sldId id="260" r:id="rId4"/>
+    <p:sldId id="261" r:id="rId5"/>
+    <p:sldId id="262" r:id="rId6"/>
+    <p:sldId id="259" r:id="rId7"/>
     <p:sldId id="263" r:id="rId8"/>
     <p:sldId id="258" r:id="rId9"/>
   </p:sldIdLst>
@@ -717,7 +717,7 @@
     </p:spTree>
     <p:extLst>
       <p:ext uri="{BB962C8B-B14F-4D97-AF65-F5344CB8AC3E}">
-        <p14:creationId xmlns:p14="http://schemas.microsoft.com/office/powerpoint/2010/main" val="3125375625"/>
+        <p14:creationId xmlns:p14="http://schemas.microsoft.com/office/powerpoint/2010/main" val="2230076289"/>
       </p:ext>
     </p:extLst>
   </p:cSld>
@@ -801,7 +801,7 @@
     </p:spTree>
     <p:extLst>
       <p:ext uri="{BB962C8B-B14F-4D97-AF65-F5344CB8AC3E}">
-        <p14:creationId xmlns:p14="http://schemas.microsoft.com/office/powerpoint/2010/main" val="2230076289"/>
+        <p14:creationId xmlns:p14="http://schemas.microsoft.com/office/powerpoint/2010/main" val="741143246"/>
       </p:ext>
     </p:extLst>
   </p:cSld>
@@ -885,7 +885,7 @@
     </p:spTree>
     <p:extLst>
       <p:ext uri="{BB962C8B-B14F-4D97-AF65-F5344CB8AC3E}">
-        <p14:creationId xmlns:p14="http://schemas.microsoft.com/office/powerpoint/2010/main" val="741143246"/>
+        <p14:creationId xmlns:p14="http://schemas.microsoft.com/office/powerpoint/2010/main" val="2522296245"/>
       </p:ext>
     </p:extLst>
   </p:cSld>
@@ -969,7 +969,7 @@
     </p:spTree>
     <p:extLst>
       <p:ext uri="{BB962C8B-B14F-4D97-AF65-F5344CB8AC3E}">
-        <p14:creationId xmlns:p14="http://schemas.microsoft.com/office/powerpoint/2010/main" val="2522296245"/>
+        <p14:creationId xmlns:p14="http://schemas.microsoft.com/office/powerpoint/2010/main" val="3125375625"/>
       </p:ext>
     </p:extLst>
   </p:cSld>
@@ -4478,127 +4478,6 @@
           <a:lstStyle/>
           <a:p>
             <a:r>
-              <a:rPr lang="zh-CN" altLang="en-US" dirty="0" smtClean="0"/>
-              <a:t>凑近了看</a:t>
-            </a:r>
-            <a:endParaRPr lang="en-US" dirty="0"/>
-          </a:p>
-        </p:txBody>
-      </p:sp>
-      <p:sp>
-        <p:nvSpPr>
-          <p:cNvPr id="3" name="Content Placeholder 2"/>
-          <p:cNvSpPr>
-            <a:spLocks noGrp="1"/>
-          </p:cNvSpPr>
-          <p:nvPr>
-            <p:ph idx="1"/>
-          </p:nvPr>
-        </p:nvSpPr>
-        <p:spPr/>
-        <p:txBody>
-          <a:bodyPr/>
-          <a:lstStyle/>
-          <a:p>
-            <a:r>
-              <a:rPr lang="zh-CN" altLang="en-US" dirty="0" smtClean="0">
-                <a:latin typeface="+mj-ea"/>
-                <a:ea typeface="+mj-ea"/>
-              </a:rPr>
-              <a:t>来盘</a:t>
-            </a:r>
-            <a:r>
-              <a:rPr lang="en-US" altLang="zh-CN" dirty="0" smtClean="0">
-                <a:latin typeface="+mj-ea"/>
-                <a:ea typeface="+mj-ea"/>
-              </a:rPr>
-              <a:t>CODE @</a:t>
-            </a:r>
-            <a:r>
-              <a:rPr lang="en-US" altLang="zh-CN" dirty="0" smtClean="0">
-                <a:latin typeface="+mj-ea"/>
-                <a:ea typeface="+mj-ea"/>
-                <a:hlinkClick r:id="rId3"/>
-              </a:rPr>
-              <a:t>HERE</a:t>
-            </a:r>
-            <a:endParaRPr lang="en-US" dirty="0">
-              <a:latin typeface="+mj-ea"/>
-              <a:ea typeface="+mj-ea"/>
-            </a:endParaRPr>
-          </a:p>
-        </p:txBody>
-      </p:sp>
-      <p:pic>
-        <p:nvPicPr>
-          <p:cNvPr id="4" name="Picture 3"/>
-          <p:cNvPicPr>
-            <a:picLocks noChangeAspect="1"/>
-          </p:cNvPicPr>
-          <p:nvPr/>
-        </p:nvPicPr>
-        <p:blipFill>
-          <a:blip r:embed="rId4"/>
-          <a:stretch>
-            <a:fillRect/>
-          </a:stretch>
-        </p:blipFill>
-        <p:spPr>
-          <a:xfrm>
-            <a:off x="1027113" y="2557173"/>
-            <a:ext cx="9324975" cy="2371725"/>
-          </a:xfrm>
-          <a:prstGeom prst="rect">
-            <a:avLst/>
-          </a:prstGeom>
-        </p:spPr>
-      </p:pic>
-    </p:spTree>
-    <p:extLst>
-      <p:ext uri="{BB962C8B-B14F-4D97-AF65-F5344CB8AC3E}">
-        <p14:creationId xmlns:p14="http://schemas.microsoft.com/office/powerpoint/2010/main" val="743567053"/>
-      </p:ext>
-    </p:extLst>
-  </p:cSld>
-  <p:clrMapOvr>
-    <a:masterClrMapping/>
-  </p:clrMapOvr>
-</p:sld>
-</file>
-
-<file path=ppt/slides/slide4.xml><?xml version="1.0" encoding="utf-8"?>
-<p:sld xmlns:a="http://schemas.openxmlformats.org/drawingml/2006/main" xmlns:r="http://schemas.openxmlformats.org/officeDocument/2006/relationships" xmlns:p="http://schemas.openxmlformats.org/presentationml/2006/main">
-  <p:cSld>
-    <p:spTree>
-      <p:nvGrpSpPr>
-        <p:cNvPr id="1" name=""/>
-        <p:cNvGrpSpPr/>
-        <p:nvPr/>
-      </p:nvGrpSpPr>
-      <p:grpSpPr>
-        <a:xfrm>
-          <a:off x="0" y="0"/>
-          <a:ext cx="0" cy="0"/>
-          <a:chOff x="0" y="0"/>
-          <a:chExt cx="0" cy="0"/>
-        </a:xfrm>
-      </p:grpSpPr>
-      <p:sp>
-        <p:nvSpPr>
-          <p:cNvPr id="2" name="Title 1"/>
-          <p:cNvSpPr>
-            <a:spLocks noGrp="1"/>
-          </p:cNvSpPr>
-          <p:nvPr>
-            <p:ph type="title"/>
-          </p:nvPr>
-        </p:nvSpPr>
-        <p:spPr/>
-        <p:txBody>
-          <a:bodyPr/>
-          <a:lstStyle/>
-          <a:p>
-            <a:r>
               <a:rPr lang="zh-CN" altLang="en-US" dirty="0"/>
               <a:t>快速开始：</a:t>
             </a:r>
@@ -4912,7 +4791,7 @@
 </p:sld>
 </file>
 
-<file path=ppt/slides/slide5.xml><?xml version="1.0" encoding="utf-8"?>
+<file path=ppt/slides/slide4.xml><?xml version="1.0" encoding="utf-8"?>
 <p:sld xmlns:a="http://schemas.openxmlformats.org/drawingml/2006/main" xmlns:r="http://schemas.openxmlformats.org/officeDocument/2006/relationships" xmlns:p="http://schemas.openxmlformats.org/presentationml/2006/main">
   <p:cSld>
     <p:spTree>
@@ -5524,7 +5403,7 @@
 </p:sld>
 </file>
 
-<file path=ppt/slides/slide6.xml><?xml version="1.0" encoding="utf-8"?>
+<file path=ppt/slides/slide5.xml><?xml version="1.0" encoding="utf-8"?>
 <p:sld xmlns:a="http://schemas.openxmlformats.org/drawingml/2006/main" xmlns:r="http://schemas.openxmlformats.org/officeDocument/2006/relationships" xmlns:p="http://schemas.openxmlformats.org/presentationml/2006/main">
   <p:cSld>
     <p:spTree>
@@ -6169,6 +6048,127 @@
 </p:sld>
 </file>
 
+<file path=ppt/slides/slide6.xml><?xml version="1.0" encoding="utf-8"?>
+<p:sld xmlns:a="http://schemas.openxmlformats.org/drawingml/2006/main" xmlns:r="http://schemas.openxmlformats.org/officeDocument/2006/relationships" xmlns:p="http://schemas.openxmlformats.org/presentationml/2006/main">
+  <p:cSld>
+    <p:spTree>
+      <p:nvGrpSpPr>
+        <p:cNvPr id="1" name=""/>
+        <p:cNvGrpSpPr/>
+        <p:nvPr/>
+      </p:nvGrpSpPr>
+      <p:grpSpPr>
+        <a:xfrm>
+          <a:off x="0" y="0"/>
+          <a:ext cx="0" cy="0"/>
+          <a:chOff x="0" y="0"/>
+          <a:chExt cx="0" cy="0"/>
+        </a:xfrm>
+      </p:grpSpPr>
+      <p:sp>
+        <p:nvSpPr>
+          <p:cNvPr id="2" name="Title 1"/>
+          <p:cNvSpPr>
+            <a:spLocks noGrp="1"/>
+          </p:cNvSpPr>
+          <p:nvPr>
+            <p:ph type="title"/>
+          </p:nvPr>
+        </p:nvSpPr>
+        <p:spPr/>
+        <p:txBody>
+          <a:bodyPr/>
+          <a:lstStyle/>
+          <a:p>
+            <a:r>
+              <a:rPr lang="zh-CN" altLang="en-US" dirty="0" smtClean="0"/>
+              <a:t>凑近了看</a:t>
+            </a:r>
+            <a:endParaRPr lang="en-US" dirty="0"/>
+          </a:p>
+        </p:txBody>
+      </p:sp>
+      <p:sp>
+        <p:nvSpPr>
+          <p:cNvPr id="3" name="Content Placeholder 2"/>
+          <p:cNvSpPr>
+            <a:spLocks noGrp="1"/>
+          </p:cNvSpPr>
+          <p:nvPr>
+            <p:ph idx="1"/>
+          </p:nvPr>
+        </p:nvSpPr>
+        <p:spPr/>
+        <p:txBody>
+          <a:bodyPr/>
+          <a:lstStyle/>
+          <a:p>
+            <a:r>
+              <a:rPr lang="zh-CN" altLang="en-US" dirty="0" smtClean="0">
+                <a:latin typeface="+mj-ea"/>
+                <a:ea typeface="+mj-ea"/>
+              </a:rPr>
+              <a:t>来盘</a:t>
+            </a:r>
+            <a:r>
+              <a:rPr lang="en-US" altLang="zh-CN" dirty="0" smtClean="0">
+                <a:latin typeface="+mj-ea"/>
+                <a:ea typeface="+mj-ea"/>
+              </a:rPr>
+              <a:t>CODE @</a:t>
+            </a:r>
+            <a:r>
+              <a:rPr lang="en-US" altLang="zh-CN" dirty="0" smtClean="0">
+                <a:latin typeface="+mj-ea"/>
+                <a:ea typeface="+mj-ea"/>
+                <a:hlinkClick r:id="rId3"/>
+              </a:rPr>
+              <a:t>HERE</a:t>
+            </a:r>
+            <a:endParaRPr lang="en-US" dirty="0">
+              <a:latin typeface="+mj-ea"/>
+              <a:ea typeface="+mj-ea"/>
+            </a:endParaRPr>
+          </a:p>
+        </p:txBody>
+      </p:sp>
+      <p:pic>
+        <p:nvPicPr>
+          <p:cNvPr id="4" name="Picture 3"/>
+          <p:cNvPicPr>
+            <a:picLocks noChangeAspect="1"/>
+          </p:cNvPicPr>
+          <p:nvPr/>
+        </p:nvPicPr>
+        <p:blipFill>
+          <a:blip r:embed="rId4"/>
+          <a:stretch>
+            <a:fillRect/>
+          </a:stretch>
+        </p:blipFill>
+        <p:spPr>
+          <a:xfrm>
+            <a:off x="1027113" y="2557173"/>
+            <a:ext cx="9324975" cy="2371725"/>
+          </a:xfrm>
+          <a:prstGeom prst="rect">
+            <a:avLst/>
+          </a:prstGeom>
+        </p:spPr>
+      </p:pic>
+    </p:spTree>
+    <p:extLst>
+      <p:ext uri="{BB962C8B-B14F-4D97-AF65-F5344CB8AC3E}">
+        <p14:creationId xmlns:p14="http://schemas.microsoft.com/office/powerpoint/2010/main" val="743567053"/>
+      </p:ext>
+    </p:extLst>
+  </p:cSld>
+  <p:clrMapOvr>
+    <a:masterClrMapping/>
+  </p:clrMapOvr>
+</p:sld>
+</file>
+
 <file path=ppt/slides/slide7.xml><?xml version="1.0" encoding="utf-8"?>
 <p:sld xmlns:a="http://schemas.openxmlformats.org/drawingml/2006/main" xmlns:r="http://schemas.openxmlformats.org/officeDocument/2006/relationships" xmlns:p="http://schemas.openxmlformats.org/presentationml/2006/main">
   <p:cSld>
@@ -6229,11 +6229,11 @@
               <a:t>Resnet50</a:t>
             </a:r>
             <a:r>
-              <a:rPr lang="zh-CN" altLang="en-US" smtClean="0"/>
+              <a:rPr lang="zh-CN" altLang="en-US" dirty="0" smtClean="0"/>
               <a:t>、</a:t>
             </a:r>
             <a:r>
-              <a:rPr lang="zh-CN" altLang="en-US" smtClean="0"/>
+              <a:rPr lang="zh-CN" altLang="en-US" dirty="0" smtClean="0"/>
               <a:t>文</a:t>
             </a:r>
             <a:r>

--- a/keras/Keras.pptx
+++ b/keras/Keras.pptx
@@ -208,7 +208,7 @@
           <a:p>
             <a:fld id="{9F97281E-09FB-4228-9B08-8883913788F2}" type="datetimeFigureOut">
               <a:rPr lang="en-US" smtClean="0"/>
-              <a:t>11/9/2017</a:t>
+              <a:t>11/13/2017</a:t>
             </a:fld>
             <a:endParaRPr lang="en-US"/>
           </a:p>
@@ -1276,7 +1276,7 @@
           <a:p>
             <a:fld id="{6B70359B-F0EC-45CC-912A-5046475CEFCF}" type="datetimeFigureOut">
               <a:rPr lang="en-US" smtClean="0"/>
-              <a:t>11/9/2017</a:t>
+              <a:t>11/13/2017</a:t>
             </a:fld>
             <a:endParaRPr lang="en-US"/>
           </a:p>
@@ -1444,7 +1444,7 @@
           <a:p>
             <a:fld id="{6B70359B-F0EC-45CC-912A-5046475CEFCF}" type="datetimeFigureOut">
               <a:rPr lang="en-US" smtClean="0"/>
-              <a:t>11/9/2017</a:t>
+              <a:t>11/13/2017</a:t>
             </a:fld>
             <a:endParaRPr lang="en-US"/>
           </a:p>
@@ -1622,7 +1622,7 @@
           <a:p>
             <a:fld id="{6B70359B-F0EC-45CC-912A-5046475CEFCF}" type="datetimeFigureOut">
               <a:rPr lang="en-US" smtClean="0"/>
-              <a:t>11/9/2017</a:t>
+              <a:t>11/13/2017</a:t>
             </a:fld>
             <a:endParaRPr lang="en-US"/>
           </a:p>
@@ -1790,7 +1790,7 @@
           <a:p>
             <a:fld id="{6B70359B-F0EC-45CC-912A-5046475CEFCF}" type="datetimeFigureOut">
               <a:rPr lang="en-US" smtClean="0"/>
-              <a:t>11/9/2017</a:t>
+              <a:t>11/13/2017</a:t>
             </a:fld>
             <a:endParaRPr lang="en-US"/>
           </a:p>
@@ -2035,7 +2035,7 @@
           <a:p>
             <a:fld id="{6B70359B-F0EC-45CC-912A-5046475CEFCF}" type="datetimeFigureOut">
               <a:rPr lang="en-US" smtClean="0"/>
-              <a:t>11/9/2017</a:t>
+              <a:t>11/13/2017</a:t>
             </a:fld>
             <a:endParaRPr lang="en-US"/>
           </a:p>
@@ -2264,7 +2264,7 @@
           <a:p>
             <a:fld id="{6B70359B-F0EC-45CC-912A-5046475CEFCF}" type="datetimeFigureOut">
               <a:rPr lang="en-US" smtClean="0"/>
-              <a:t>11/9/2017</a:t>
+              <a:t>11/13/2017</a:t>
             </a:fld>
             <a:endParaRPr lang="en-US"/>
           </a:p>
@@ -2628,7 +2628,7 @@
           <a:p>
             <a:fld id="{6B70359B-F0EC-45CC-912A-5046475CEFCF}" type="datetimeFigureOut">
               <a:rPr lang="en-US" smtClean="0"/>
-              <a:t>11/9/2017</a:t>
+              <a:t>11/13/2017</a:t>
             </a:fld>
             <a:endParaRPr lang="en-US"/>
           </a:p>
@@ -2745,7 +2745,7 @@
           <a:p>
             <a:fld id="{6B70359B-F0EC-45CC-912A-5046475CEFCF}" type="datetimeFigureOut">
               <a:rPr lang="en-US" smtClean="0"/>
-              <a:t>11/9/2017</a:t>
+              <a:t>11/13/2017</a:t>
             </a:fld>
             <a:endParaRPr lang="en-US"/>
           </a:p>
@@ -2840,7 +2840,7 @@
           <a:p>
             <a:fld id="{6B70359B-F0EC-45CC-912A-5046475CEFCF}" type="datetimeFigureOut">
               <a:rPr lang="en-US" smtClean="0"/>
-              <a:t>11/9/2017</a:t>
+              <a:t>11/13/2017</a:t>
             </a:fld>
             <a:endParaRPr lang="en-US"/>
           </a:p>
@@ -3115,7 +3115,7 @@
           <a:p>
             <a:fld id="{6B70359B-F0EC-45CC-912A-5046475CEFCF}" type="datetimeFigureOut">
               <a:rPr lang="en-US" smtClean="0"/>
-              <a:t>11/9/2017</a:t>
+              <a:t>11/13/2017</a:t>
             </a:fld>
             <a:endParaRPr lang="en-US"/>
           </a:p>
@@ -3367,7 +3367,7 @@
           <a:p>
             <a:fld id="{6B70359B-F0EC-45CC-912A-5046475CEFCF}" type="datetimeFigureOut">
               <a:rPr lang="en-US" smtClean="0"/>
-              <a:t>11/9/2017</a:t>
+              <a:t>11/13/2017</a:t>
             </a:fld>
             <a:endParaRPr lang="en-US"/>
           </a:p>
@@ -3578,7 +3578,7 @@
           <a:p>
             <a:fld id="{6B70359B-F0EC-45CC-912A-5046475CEFCF}" type="datetimeFigureOut">
               <a:rPr lang="en-US" smtClean="0"/>
-              <a:t>11/9/2017</a:t>
+              <a:t>11/13/2017</a:t>
             </a:fld>
             <a:endParaRPr lang="en-US"/>
           </a:p>
@@ -4057,6 +4057,145 @@
           </a:prstGeom>
         </p:spPr>
       </p:pic>
+      <p:sp>
+        <p:nvSpPr>
+          <p:cNvPr id="5" name="TextBox 4">
+            <a:extLst>
+              <a:ext uri="{FF2B5EF4-FFF2-40B4-BE49-F238E27FC236}">
+                <a16:creationId xmlns:a16="http://schemas.microsoft.com/office/drawing/2014/main" id="{EC99D17C-9CAF-4CA3-AC60-BFC1E76BF537}"/>
+              </a:ext>
+            </a:extLst>
+          </p:cNvPr>
+          <p:cNvSpPr txBox="1"/>
+          <p:nvPr/>
+        </p:nvSpPr>
+        <p:spPr>
+          <a:xfrm>
+            <a:off x="9619361" y="6244120"/>
+            <a:ext cx="2613279" cy="923330"/>
+          </a:xfrm>
+          <a:prstGeom prst="rect">
+            <a:avLst/>
+          </a:prstGeom>
+          <a:noFill/>
+        </p:spPr>
+        <p:txBody>
+          <a:bodyPr wrap="none" rtlCol="0">
+            <a:spAutoFit/>
+          </a:bodyPr>
+          <a:lstStyle/>
+          <a:p>
+            <a:pPr algn="r"/>
+            <a:r>
+              <a:rPr lang="en-US" altLang="zh-CN" dirty="0" err="1">
+                <a:solidFill>
+                  <a:schemeClr val="tx1">
+                    <a:lumMod val="65000"/>
+                    <a:lumOff val="35000"/>
+                  </a:schemeClr>
+                </a:solidFill>
+              </a:rPr>
+              <a:t>BingAds</a:t>
+            </a:r>
+            <a:r>
+              <a:rPr lang="en-US" altLang="zh-CN" dirty="0">
+                <a:solidFill>
+                  <a:schemeClr val="tx1">
+                    <a:lumMod val="65000"/>
+                    <a:lumOff val="35000"/>
+                  </a:schemeClr>
+                </a:solidFill>
+              </a:rPr>
+              <a:t> </a:t>
+            </a:r>
+            <a:r>
+              <a:rPr lang="en-US" dirty="0">
+                <a:solidFill>
+                  <a:schemeClr val="tx1">
+                    <a:lumMod val="65000"/>
+                    <a:lumOff val="35000"/>
+                  </a:schemeClr>
+                </a:solidFill>
+              </a:rPr>
+              <a:t>UCM</a:t>
+            </a:r>
+            <a:r>
+              <a:rPr lang="zh-CN" altLang="en-US" dirty="0">
+                <a:solidFill>
+                  <a:schemeClr val="tx1">
+                    <a:lumMod val="65000"/>
+                    <a:lumOff val="35000"/>
+                  </a:schemeClr>
+                </a:solidFill>
+              </a:rPr>
+              <a:t>组内部分享</a:t>
+            </a:r>
+            <a:endParaRPr lang="en-US" altLang="zh-CN" dirty="0">
+              <a:solidFill>
+                <a:schemeClr val="tx1">
+                  <a:lumMod val="65000"/>
+                  <a:lumOff val="35000"/>
+                </a:schemeClr>
+              </a:solidFill>
+            </a:endParaRPr>
+          </a:p>
+          <a:p>
+            <a:pPr algn="r"/>
+            <a:r>
+              <a:rPr lang="zh-CN" altLang="en-US" dirty="0">
+                <a:solidFill>
+                  <a:schemeClr val="tx1">
+                    <a:lumMod val="65000"/>
+                    <a:lumOff val="35000"/>
+                  </a:schemeClr>
+                </a:solidFill>
+              </a:rPr>
+              <a:t>刘杨</a:t>
+            </a:r>
+            <a:r>
+              <a:rPr lang="en-US" altLang="zh-CN">
+                <a:solidFill>
+                  <a:schemeClr val="tx1">
+                    <a:lumMod val="65000"/>
+                    <a:lumOff val="35000"/>
+                  </a:schemeClr>
+                </a:solidFill>
+              </a:rPr>
+              <a:t> </a:t>
+            </a:r>
+            <a:r>
+              <a:rPr lang="en-US" smtClean="0">
+                <a:solidFill>
+                  <a:schemeClr val="tx1">
+                    <a:lumMod val="65000"/>
+                    <a:lumOff val="35000"/>
+                  </a:schemeClr>
+                </a:solidFill>
+              </a:rPr>
+              <a:t>2017/11/13</a:t>
+            </a:r>
+            <a:endParaRPr lang="en-US" dirty="0">
+              <a:solidFill>
+                <a:schemeClr val="tx1">
+                  <a:lumMod val="65000"/>
+                  <a:lumOff val="35000"/>
+                </a:schemeClr>
+              </a:solidFill>
+            </a:endParaRPr>
+          </a:p>
+          <a:p>
+            <a:pPr algn="r"/>
+            <a:endParaRPr lang="en-US" altLang="zh-CN" dirty="0">
+              <a:solidFill>
+                <a:schemeClr val="tx1">
+                  <a:lumMod val="65000"/>
+                  <a:lumOff val="35000"/>
+                </a:schemeClr>
+              </a:solidFill>
+            </a:endParaRPr>
+          </a:p>
+        </p:txBody>
+      </p:sp>
     </p:spTree>
     <p:extLst>
       <p:ext uri="{BB962C8B-B14F-4D97-AF65-F5344CB8AC3E}">
@@ -6230,15 +6369,7 @@
             </a:r>
             <a:r>
               <a:rPr lang="zh-CN" altLang="en-US" dirty="0" smtClean="0"/>
-              <a:t>、</a:t>
-            </a:r>
-            <a:r>
-              <a:rPr lang="zh-CN" altLang="en-US" dirty="0" smtClean="0"/>
-              <a:t>文</a:t>
-            </a:r>
-            <a:r>
-              <a:rPr lang="zh-CN" altLang="en-US" dirty="0" smtClean="0"/>
-              <a:t>档与栗子</a:t>
+              <a:t>、文档与栗子</a:t>
             </a:r>
             <a:endParaRPr lang="en-US" dirty="0"/>
           </a:p>
